--- a/JavaScript.pptx
+++ b/JavaScript.pptx
@@ -16,13 +16,13 @@
     <p:sldId id="264" r:id="rId7"/>
     <p:sldId id="262" r:id="rId8"/>
     <p:sldId id="268" r:id="rId9"/>
-    <p:sldId id="269" r:id="rId10"/>
-    <p:sldId id="270" r:id="rId11"/>
+    <p:sldId id="270" r:id="rId10"/>
+    <p:sldId id="269" r:id="rId11"/>
     <p:sldId id="271" r:id="rId12"/>
     <p:sldId id="261" r:id="rId13"/>
-    <p:sldId id="265" r:id="rId14"/>
-    <p:sldId id="272" r:id="rId15"/>
-    <p:sldId id="266" r:id="rId16"/>
+    <p:sldId id="272" r:id="rId14"/>
+    <p:sldId id="266" r:id="rId15"/>
+    <p:sldId id="265" r:id="rId16"/>
     <p:sldId id="273" r:id="rId17"/>
   </p:sldIdLst>
   <p:sldSz cx="12192000" cy="6858000"/>
@@ -252,7 +252,7 @@
           <a:p>
             <a:fld id="{3A1EEB21-702E-4B51-BF16-EDFE8F42477B}" type="datetimeFigureOut">
               <a:rPr lang="en-US" smtClean="0"/>
-              <a:t>4/9/2019</a:t>
+              <a:t>4/12/2019</a:t>
             </a:fld>
             <a:endParaRPr lang="en-US"/>
           </a:p>
@@ -1075,7 +1075,7 @@
           <a:p>
             <a:fld id="{C7E821A9-3B61-4E9B-87FF-47F97BB31306}" type="datetimeFigureOut">
               <a:rPr lang="en-US" smtClean="0"/>
-              <a:t>4/9/2019</a:t>
+              <a:t>4/12/2019</a:t>
             </a:fld>
             <a:endParaRPr lang="en-US"/>
           </a:p>
@@ -1369,7 +1369,7 @@
           <a:p>
             <a:fld id="{C7E821A9-3B61-4E9B-87FF-47F97BB31306}" type="datetimeFigureOut">
               <a:rPr lang="en-US" smtClean="0"/>
-              <a:t>4/9/2019</a:t>
+              <a:t>4/12/2019</a:t>
             </a:fld>
             <a:endParaRPr lang="en-US"/>
           </a:p>
@@ -1672,7 +1672,7 @@
           <a:p>
             <a:fld id="{C7E821A9-3B61-4E9B-87FF-47F97BB31306}" type="datetimeFigureOut">
               <a:rPr lang="en-US" smtClean="0"/>
-              <a:t>4/9/2019</a:t>
+              <a:t>4/12/2019</a:t>
             </a:fld>
             <a:endParaRPr lang="en-US"/>
           </a:p>
@@ -1920,7 +1920,7 @@
           <a:p>
             <a:fld id="{C7E821A9-3B61-4E9B-87FF-47F97BB31306}" type="datetimeFigureOut">
               <a:rPr lang="en-US" smtClean="0"/>
-              <a:t>4/9/2019</a:t>
+              <a:t>4/12/2019</a:t>
             </a:fld>
             <a:endParaRPr lang="en-US"/>
           </a:p>
@@ -2246,7 +2246,7 @@
           <a:p>
             <a:fld id="{C7E821A9-3B61-4E9B-87FF-47F97BB31306}" type="datetimeFigureOut">
               <a:rPr lang="en-US" smtClean="0"/>
-              <a:t>4/9/2019</a:t>
+              <a:t>4/12/2019</a:t>
             </a:fld>
             <a:endParaRPr lang="en-US"/>
           </a:p>
@@ -2561,7 +2561,7 @@
           <a:p>
             <a:fld id="{C7E821A9-3B61-4E9B-87FF-47F97BB31306}" type="datetimeFigureOut">
               <a:rPr lang="en-US" smtClean="0"/>
-              <a:t>4/9/2019</a:t>
+              <a:t>4/12/2019</a:t>
             </a:fld>
             <a:endParaRPr lang="en-US"/>
           </a:p>
@@ -3024,7 +3024,7 @@
           <a:p>
             <a:fld id="{C7E821A9-3B61-4E9B-87FF-47F97BB31306}" type="datetimeFigureOut">
               <a:rPr lang="en-US" smtClean="0"/>
-              <a:t>4/9/2019</a:t>
+              <a:t>4/12/2019</a:t>
             </a:fld>
             <a:endParaRPr lang="en-US"/>
           </a:p>
@@ -3220,7 +3220,7 @@
           <a:p>
             <a:fld id="{C7E821A9-3B61-4E9B-87FF-47F97BB31306}" type="datetimeFigureOut">
               <a:rPr lang="en-US" smtClean="0"/>
-              <a:t>4/9/2019</a:t>
+              <a:t>4/12/2019</a:t>
             </a:fld>
             <a:endParaRPr lang="en-US"/>
           </a:p>
@@ -3393,7 +3393,7 @@
           <a:p>
             <a:fld id="{C7E821A9-3B61-4E9B-87FF-47F97BB31306}" type="datetimeFigureOut">
               <a:rPr lang="en-US" smtClean="0"/>
-              <a:t>4/9/2019</a:t>
+              <a:t>4/12/2019</a:t>
             </a:fld>
             <a:endParaRPr lang="en-US"/>
           </a:p>
@@ -3722,7 +3722,7 @@
           <a:p>
             <a:fld id="{C7E821A9-3B61-4E9B-87FF-47F97BB31306}" type="datetimeFigureOut">
               <a:rPr lang="en-US" smtClean="0"/>
-              <a:t>4/9/2019</a:t>
+              <a:t>4/12/2019</a:t>
             </a:fld>
             <a:endParaRPr lang="en-US"/>
           </a:p>
@@ -4084,7 +4084,7 @@
           <a:p>
             <a:fld id="{C7E821A9-3B61-4E9B-87FF-47F97BB31306}" type="datetimeFigureOut">
               <a:rPr lang="en-US" smtClean="0"/>
-              <a:t>4/9/2019</a:t>
+              <a:t>4/12/2019</a:t>
             </a:fld>
             <a:endParaRPr lang="en-US"/>
           </a:p>
@@ -4423,7 +4423,7 @@
           <a:p>
             <a:fld id="{C7E821A9-3B61-4E9B-87FF-47F97BB31306}" type="datetimeFigureOut">
               <a:rPr lang="en-US" smtClean="0"/>
-              <a:t>4/9/2019</a:t>
+              <a:t>4/12/2019</a:t>
             </a:fld>
             <a:endParaRPr lang="en-US"/>
           </a:p>
@@ -5040,7 +5040,7 @@
           <p:cNvPr id="2" name="Title 1">
             <a:extLst>
               <a:ext uri="{FF2B5EF4-FFF2-40B4-BE49-F238E27FC236}">
-                <a16:creationId xmlns:a16="http://schemas.microsoft.com/office/drawing/2014/main" id="{F8DC5F65-EE4F-4540-906F-8F6AC3031C5A}"/>
+                <a16:creationId xmlns:a16="http://schemas.microsoft.com/office/drawing/2014/main" id="{648859DE-4877-4392-92D7-422725B5E0E1}"/>
               </a:ext>
             </a:extLst>
           </p:cNvPr>
@@ -5051,12 +5051,7 @@
             <p:ph type="title"/>
           </p:nvPr>
         </p:nvSpPr>
-        <p:spPr>
-          <a:xfrm>
-            <a:off x="2235200" y="150643"/>
-            <a:ext cx="7958331" cy="1077229"/>
-          </a:xfrm>
-        </p:spPr>
+        <p:spPr/>
         <p:txBody>
           <a:bodyPr/>
           <a:lstStyle/>
@@ -5064,7 +5059,7 @@
             <a:pPr algn="l"/>
             <a:r>
               <a:rPr lang="en-US" dirty="0"/>
-              <a:t>Angular</a:t>
+              <a:t>React</a:t>
             </a:r>
           </a:p>
         </p:txBody>
@@ -5074,7 +5069,7 @@
           <p:cNvPr id="5" name="Rectangle 4">
             <a:extLst>
               <a:ext uri="{FF2B5EF4-FFF2-40B4-BE49-F238E27FC236}">
-                <a16:creationId xmlns:a16="http://schemas.microsoft.com/office/drawing/2014/main" id="{2B5A4D16-9EF2-4F5C-8A00-AB6C9846BCD0}"/>
+                <a16:creationId xmlns:a16="http://schemas.microsoft.com/office/drawing/2014/main" id="{5953D06C-3448-45ED-936E-46838AE808E5}"/>
               </a:ext>
             </a:extLst>
           </p:cNvPr>
@@ -5083,22 +5078,24 @@
         </p:nvSpPr>
         <p:spPr>
           <a:xfrm>
-            <a:off x="2235200" y="809899"/>
-            <a:ext cx="8178800" cy="5054600"/>
+            <a:off x="1888067" y="1625600"/>
+            <a:ext cx="4097866" cy="889000"/>
           </a:xfrm>
           <a:prstGeom prst="rect">
             <a:avLst/>
           </a:prstGeom>
         </p:spPr>
         <p:style>
-          <a:lnRef idx="3">
-            <a:schemeClr val="lt1"/>
+          <a:lnRef idx="2">
+            <a:schemeClr val="accent3">
+              <a:shade val="50000"/>
+            </a:schemeClr>
           </a:lnRef>
           <a:fillRef idx="1">
-            <a:schemeClr val="accent4"/>
+            <a:schemeClr val="accent3"/>
           </a:fillRef>
-          <a:effectRef idx="1">
-            <a:schemeClr val="accent4"/>
+          <a:effectRef idx="0">
+            <a:schemeClr val="accent3"/>
           </a:effectRef>
           <a:fontRef idx="minor">
             <a:schemeClr val="lt1"/>
@@ -5109,55 +5106,28 @@
           <a:lstStyle/>
           <a:p>
             <a:pPr algn="ctr"/>
-            <a:endParaRPr lang="en-US" dirty="0"/>
-          </a:p>
-        </p:txBody>
-      </p:sp>
-      <p:sp>
-        <p:nvSpPr>
-          <p:cNvPr id="6" name="TextBox 5">
-            <a:extLst>
-              <a:ext uri="{FF2B5EF4-FFF2-40B4-BE49-F238E27FC236}">
-                <a16:creationId xmlns:a16="http://schemas.microsoft.com/office/drawing/2014/main" id="{811FCC0E-596D-4E6C-B61C-367319F02F74}"/>
-              </a:ext>
-            </a:extLst>
-          </p:cNvPr>
-          <p:cNvSpPr txBox="1"/>
-          <p:nvPr/>
-        </p:nvSpPr>
-        <p:spPr>
-          <a:xfrm>
-            <a:off x="2413000" y="962299"/>
-            <a:ext cx="1693333" cy="369332"/>
-          </a:xfrm>
-          <a:prstGeom prst="rect">
-            <a:avLst/>
-          </a:prstGeom>
-          <a:noFill/>
-        </p:spPr>
-        <p:txBody>
-          <a:bodyPr wrap="square" rtlCol="0">
-            <a:spAutoFit/>
-          </a:bodyPr>
-          <a:lstStyle/>
-          <a:p>
-            <a:r>
-              <a:rPr lang="en-US" dirty="0">
+            <a:r>
+              <a:rPr lang="en-US" sz="3200" dirty="0" err="1">
                 <a:solidFill>
                   <a:schemeClr val="bg1"/>
                 </a:solidFill>
               </a:rPr>
-              <a:t>Module</a:t>
-            </a:r>
-          </a:p>
-        </p:txBody>
-      </p:sp>
-      <p:sp>
-        <p:nvSpPr>
-          <p:cNvPr id="7" name="Rectangle 6">
+              <a:t>Container.jsx</a:t>
+            </a:r>
+            <a:endParaRPr lang="en-US" sz="3200" dirty="0">
+              <a:solidFill>
+                <a:schemeClr val="bg1"/>
+              </a:solidFill>
+            </a:endParaRPr>
+          </a:p>
+        </p:txBody>
+      </p:sp>
+      <p:sp>
+        <p:nvSpPr>
+          <p:cNvPr id="6" name="Rectangle 5">
             <a:extLst>
               <a:ext uri="{FF2B5EF4-FFF2-40B4-BE49-F238E27FC236}">
-                <a16:creationId xmlns:a16="http://schemas.microsoft.com/office/drawing/2014/main" id="{9C518E6F-0A38-4296-85F4-0C7130CD62ED}"/>
+                <a16:creationId xmlns:a16="http://schemas.microsoft.com/office/drawing/2014/main" id="{DF9029A9-E480-45A0-9532-A27471E333FB}"/>
               </a:ext>
             </a:extLst>
           </p:cNvPr>
@@ -5166,8 +5136,8 @@
         </p:nvSpPr>
         <p:spPr>
           <a:xfrm>
-            <a:off x="2506133" y="1766632"/>
-            <a:ext cx="2294467" cy="1077229"/>
+            <a:off x="1894860" y="3615299"/>
+            <a:ext cx="4097866" cy="889000"/>
           </a:xfrm>
           <a:prstGeom prst="rect">
             <a:avLst/>
@@ -5175,15 +5145,15 @@
         </p:spPr>
         <p:style>
           <a:lnRef idx="2">
-            <a:schemeClr val="accent1">
+            <a:schemeClr val="accent3">
               <a:shade val="50000"/>
             </a:schemeClr>
           </a:lnRef>
           <a:fillRef idx="1">
-            <a:schemeClr val="accent1"/>
+            <a:schemeClr val="accent3"/>
           </a:fillRef>
           <a:effectRef idx="0">
-            <a:schemeClr val="accent1"/>
+            <a:schemeClr val="accent3"/>
           </a:effectRef>
           <a:fontRef idx="minor">
             <a:schemeClr val="lt1"/>
@@ -5195,38 +5165,27 @@
           <a:p>
             <a:pPr algn="ctr"/>
             <a:r>
-              <a:rPr lang="en-US" dirty="0">
+              <a:rPr lang="en-US" sz="3200" dirty="0" err="1">
                 <a:solidFill>
                   <a:schemeClr val="bg1"/>
                 </a:solidFill>
               </a:rPr>
-              <a:t>List component (.</a:t>
-            </a:r>
-            <a:r>
-              <a:rPr lang="en-US" dirty="0" err="1">
-                <a:solidFill>
-                  <a:schemeClr val="bg1"/>
-                </a:solidFill>
-              </a:rPr>
-              <a:t>ts</a:t>
-            </a:r>
-            <a:r>
-              <a:rPr lang="en-US" dirty="0">
-                <a:solidFill>
-                  <a:schemeClr val="bg1"/>
-                </a:solidFill>
-              </a:rPr>
-              <a:t>)</a:t>
-            </a:r>
-          </a:p>
-        </p:txBody>
-      </p:sp>
-      <p:sp>
-        <p:nvSpPr>
-          <p:cNvPr id="8" name="Rectangle 7">
+              <a:t>List.jsx</a:t>
+            </a:r>
+            <a:endParaRPr lang="en-US" sz="3200" dirty="0">
+              <a:solidFill>
+                <a:schemeClr val="bg1"/>
+              </a:solidFill>
+            </a:endParaRPr>
+          </a:p>
+        </p:txBody>
+      </p:sp>
+      <p:sp>
+        <p:nvSpPr>
+          <p:cNvPr id="7" name="Rectangle 6">
             <a:extLst>
               <a:ext uri="{FF2B5EF4-FFF2-40B4-BE49-F238E27FC236}">
-                <a16:creationId xmlns:a16="http://schemas.microsoft.com/office/drawing/2014/main" id="{3D6C032C-0774-4DFD-ACEB-9C1456C984E4}"/>
+                <a16:creationId xmlns:a16="http://schemas.microsoft.com/office/drawing/2014/main" id="{FC49D301-2272-40D4-88BF-3F4AF741CF75}"/>
               </a:ext>
             </a:extLst>
           </p:cNvPr>
@@ -5235,8 +5194,8 @@
         </p:nvSpPr>
         <p:spPr>
           <a:xfrm>
-            <a:off x="2505974" y="3807098"/>
-            <a:ext cx="2294467" cy="1077229"/>
+            <a:off x="1888063" y="5383671"/>
+            <a:ext cx="4097866" cy="889000"/>
           </a:xfrm>
           <a:prstGeom prst="rect">
             <a:avLst/>
@@ -5244,15 +5203,15 @@
         </p:spPr>
         <p:style>
           <a:lnRef idx="2">
-            <a:schemeClr val="accent1">
+            <a:schemeClr val="accent3">
               <a:shade val="50000"/>
             </a:schemeClr>
           </a:lnRef>
           <a:fillRef idx="1">
-            <a:schemeClr val="accent1"/>
+            <a:schemeClr val="accent3"/>
           </a:fillRef>
           <a:effectRef idx="0">
-            <a:schemeClr val="accent1"/>
+            <a:schemeClr val="accent3"/>
           </a:effectRef>
           <a:fontRef idx="minor">
             <a:schemeClr val="lt1"/>
@@ -5264,46 +5223,27 @@
           <a:p>
             <a:pPr algn="ctr"/>
             <a:r>
-              <a:rPr lang="en-US" dirty="0" err="1">
+              <a:rPr lang="en-US" sz="3200" dirty="0" err="1">
                 <a:solidFill>
                   <a:schemeClr val="bg1"/>
                 </a:solidFill>
               </a:rPr>
-              <a:t>ListItem</a:t>
-            </a:r>
-            <a:r>
-              <a:rPr lang="en-US" dirty="0">
-                <a:solidFill>
-                  <a:schemeClr val="bg1"/>
-                </a:solidFill>
-              </a:rPr>
-              <a:t> component (.</a:t>
-            </a:r>
-            <a:r>
-              <a:rPr lang="en-US" dirty="0" err="1">
-                <a:solidFill>
-                  <a:schemeClr val="bg1"/>
-                </a:solidFill>
-              </a:rPr>
-              <a:t>ts</a:t>
-            </a:r>
-            <a:r>
-              <a:rPr lang="en-US" dirty="0">
-                <a:solidFill>
-                  <a:schemeClr val="bg1"/>
-                </a:solidFill>
-              </a:rPr>
-              <a:t>)</a:t>
-            </a:r>
-          </a:p>
-        </p:txBody>
-      </p:sp>
-      <p:sp>
-        <p:nvSpPr>
-          <p:cNvPr id="9" name="Oval 8">
+              <a:t>ListItem.jsx</a:t>
+            </a:r>
+            <a:endParaRPr lang="en-US" sz="3200" dirty="0">
+              <a:solidFill>
+                <a:schemeClr val="bg1"/>
+              </a:solidFill>
+            </a:endParaRPr>
+          </a:p>
+        </p:txBody>
+      </p:sp>
+      <p:sp>
+        <p:nvSpPr>
+          <p:cNvPr id="8" name="Arrow: Right 7">
             <a:extLst>
               <a:ext uri="{FF2B5EF4-FFF2-40B4-BE49-F238E27FC236}">
-                <a16:creationId xmlns:a16="http://schemas.microsoft.com/office/drawing/2014/main" id="{63D6D41A-88D4-46F8-A502-6E8C19E18294}"/>
+                <a16:creationId xmlns:a16="http://schemas.microsoft.com/office/drawing/2014/main" id="{AB53E075-E707-457A-8191-0DB739563EDF}"/>
               </a:ext>
             </a:extLst>
           </p:cNvPr>
@@ -5311,25 +5251,25 @@
           <p:nvPr/>
         </p:nvSpPr>
         <p:spPr>
-          <a:xfrm>
-            <a:off x="5987309" y="1031995"/>
-            <a:ext cx="2565400" cy="1144600"/>
-          </a:xfrm>
-          <a:prstGeom prst="ellipse">
+          <a:xfrm rot="5400000">
+            <a:off x="3420532" y="2909188"/>
+            <a:ext cx="1032934" cy="243761"/>
+          </a:xfrm>
+          <a:prstGeom prst="rightArrow">
             <a:avLst/>
           </a:prstGeom>
         </p:spPr>
         <p:style>
           <a:lnRef idx="2">
-            <a:schemeClr val="accent1">
+            <a:schemeClr val="accent3">
               <a:shade val="50000"/>
             </a:schemeClr>
           </a:lnRef>
           <a:fillRef idx="1">
-            <a:schemeClr val="accent1"/>
+            <a:schemeClr val="accent3"/>
           </a:fillRef>
           <a:effectRef idx="0">
-            <a:schemeClr val="accent1"/>
+            <a:schemeClr val="accent3"/>
           </a:effectRef>
           <a:fontRef idx="minor">
             <a:schemeClr val="lt1"/>
@@ -5340,23 +5280,16 @@
           <a:lstStyle/>
           <a:p>
             <a:pPr algn="ctr"/>
-            <a:r>
-              <a:rPr lang="en-US" dirty="0">
-                <a:solidFill>
-                  <a:schemeClr val="bg1"/>
-                </a:solidFill>
-              </a:rPr>
-              <a:t>Template (.html)</a:t>
-            </a:r>
-          </a:p>
-        </p:txBody>
-      </p:sp>
-      <p:sp>
-        <p:nvSpPr>
-          <p:cNvPr id="10" name="Oval 9">
+            <a:endParaRPr lang="en-US"/>
+          </a:p>
+        </p:txBody>
+      </p:sp>
+      <p:sp>
+        <p:nvSpPr>
+          <p:cNvPr id="9" name="Arrow: Right 8">
             <a:extLst>
               <a:ext uri="{FF2B5EF4-FFF2-40B4-BE49-F238E27FC236}">
-                <a16:creationId xmlns:a16="http://schemas.microsoft.com/office/drawing/2014/main" id="{090F3F3B-E91D-450B-AB24-A6D6ED5F9247}"/>
+                <a16:creationId xmlns:a16="http://schemas.microsoft.com/office/drawing/2014/main" id="{11A01BAF-5E35-4A35-9CC2-C456F3C5EA48}"/>
               </a:ext>
             </a:extLst>
           </p:cNvPr>
@@ -5364,25 +5297,25 @@
           <p:nvPr/>
         </p:nvSpPr>
         <p:spPr>
-          <a:xfrm>
-            <a:off x="5559216" y="3106147"/>
-            <a:ext cx="2565400" cy="1144600"/>
-          </a:xfrm>
-          <a:prstGeom prst="ellipse">
+          <a:xfrm rot="5400000">
+            <a:off x="3510512" y="4808906"/>
+            <a:ext cx="852972" cy="243761"/>
+          </a:xfrm>
+          <a:prstGeom prst="rightArrow">
             <a:avLst/>
           </a:prstGeom>
         </p:spPr>
         <p:style>
           <a:lnRef idx="2">
-            <a:schemeClr val="accent1">
+            <a:schemeClr val="accent3">
               <a:shade val="50000"/>
             </a:schemeClr>
           </a:lnRef>
           <a:fillRef idx="1">
-            <a:schemeClr val="accent1"/>
+            <a:schemeClr val="accent3"/>
           </a:fillRef>
           <a:effectRef idx="0">
-            <a:schemeClr val="accent1"/>
+            <a:schemeClr val="accent3"/>
           </a:effectRef>
           <a:fontRef idx="minor">
             <a:schemeClr val="lt1"/>
@@ -5393,23 +5326,16 @@
           <a:lstStyle/>
           <a:p>
             <a:pPr algn="ctr"/>
-            <a:r>
-              <a:rPr lang="en-US" dirty="0">
-                <a:solidFill>
-                  <a:schemeClr val="bg1"/>
-                </a:solidFill>
-              </a:rPr>
-              <a:t>Template (.html)</a:t>
-            </a:r>
-          </a:p>
-        </p:txBody>
-      </p:sp>
-      <p:sp>
-        <p:nvSpPr>
-          <p:cNvPr id="12" name="Isosceles Triangle 11">
+            <a:endParaRPr lang="en-US"/>
+          </a:p>
+        </p:txBody>
+      </p:sp>
+      <p:sp>
+        <p:nvSpPr>
+          <p:cNvPr id="10" name="Arrow: Right 9">
             <a:extLst>
               <a:ext uri="{FF2B5EF4-FFF2-40B4-BE49-F238E27FC236}">
-                <a16:creationId xmlns:a16="http://schemas.microsoft.com/office/drawing/2014/main" id="{B7AD6E2B-2BBF-481B-8B82-11710A16DBB7}"/>
+                <a16:creationId xmlns:a16="http://schemas.microsoft.com/office/drawing/2014/main" id="{DBB32ADE-0F93-4A6E-BD90-76E08D7AED64}"/>
               </a:ext>
             </a:extLst>
           </p:cNvPr>
@@ -5418,24 +5344,70 @@
         </p:nvSpPr>
         <p:spPr>
           <a:xfrm>
-            <a:off x="7979508" y="1469322"/>
-            <a:ext cx="1913466" cy="1374539"/>
-          </a:xfrm>
-          <a:prstGeom prst="triangle">
+            <a:off x="5985932" y="1944237"/>
+            <a:ext cx="1388533" cy="243761"/>
+          </a:xfrm>
+          <a:prstGeom prst="rightArrow">
             <a:avLst/>
           </a:prstGeom>
         </p:spPr>
         <p:style>
           <a:lnRef idx="2">
-            <a:schemeClr val="accent1">
+            <a:schemeClr val="accent3">
               <a:shade val="50000"/>
             </a:schemeClr>
           </a:lnRef>
           <a:fillRef idx="1">
-            <a:schemeClr val="accent1"/>
+            <a:schemeClr val="accent3"/>
           </a:fillRef>
           <a:effectRef idx="0">
-            <a:schemeClr val="accent1"/>
+            <a:schemeClr val="accent3"/>
+          </a:effectRef>
+          <a:fontRef idx="minor">
+            <a:schemeClr val="lt1"/>
+          </a:fontRef>
+        </p:style>
+        <p:txBody>
+          <a:bodyPr rtlCol="0" anchor="ctr"/>
+          <a:lstStyle/>
+          <a:p>
+            <a:pPr algn="ctr"/>
+            <a:endParaRPr lang="en-US"/>
+          </a:p>
+        </p:txBody>
+      </p:sp>
+      <p:sp>
+        <p:nvSpPr>
+          <p:cNvPr id="11" name="Isosceles Triangle 10">
+            <a:extLst>
+              <a:ext uri="{FF2B5EF4-FFF2-40B4-BE49-F238E27FC236}">
+                <a16:creationId xmlns:a16="http://schemas.microsoft.com/office/drawing/2014/main" id="{785E9FC0-3403-4D61-8370-51C0F2550028}"/>
+              </a:ext>
+            </a:extLst>
+          </p:cNvPr>
+          <p:cNvSpPr/>
+          <p:nvPr/>
+        </p:nvSpPr>
+        <p:spPr>
+          <a:xfrm>
+            <a:off x="7103534" y="1198015"/>
+            <a:ext cx="1913466" cy="1374539"/>
+          </a:xfrm>
+          <a:prstGeom prst="triangle">
+            <a:avLst/>
+          </a:prstGeom>
+        </p:spPr>
+        <p:style>
+          <a:lnRef idx="2">
+            <a:schemeClr val="accent3">
+              <a:shade val="50000"/>
+            </a:schemeClr>
+          </a:lnRef>
+          <a:fillRef idx="1">
+            <a:schemeClr val="accent3"/>
+          </a:fillRef>
+          <a:effectRef idx="0">
+            <a:schemeClr val="accent3"/>
           </a:effectRef>
           <a:fontRef idx="minor">
             <a:schemeClr val="lt1"/>
@@ -5472,10 +5444,10 @@
       </p:sp>
       <p:sp>
         <p:nvSpPr>
-          <p:cNvPr id="13" name="Isosceles Triangle 12">
+          <p:cNvPr id="12" name="Arrow: Right 11">
             <a:extLst>
               <a:ext uri="{FF2B5EF4-FFF2-40B4-BE49-F238E27FC236}">
-                <a16:creationId xmlns:a16="http://schemas.microsoft.com/office/drawing/2014/main" id="{1C8B2D37-C8C0-425C-93AF-CFB6CB66439D}"/>
+                <a16:creationId xmlns:a16="http://schemas.microsoft.com/office/drawing/2014/main" id="{1F55DE34-2637-473F-BAAB-4926E5CEE9AB}"/>
               </a:ext>
             </a:extLst>
           </p:cNvPr>
@@ -5484,24 +5456,70 @@
         </p:nvSpPr>
         <p:spPr>
           <a:xfrm>
-            <a:off x="6639243" y="4386610"/>
-            <a:ext cx="1913466" cy="1374539"/>
-          </a:xfrm>
-          <a:prstGeom prst="triangle">
+            <a:off x="5999519" y="3971287"/>
+            <a:ext cx="1374947" cy="243761"/>
+          </a:xfrm>
+          <a:prstGeom prst="rightArrow">
             <a:avLst/>
           </a:prstGeom>
         </p:spPr>
         <p:style>
           <a:lnRef idx="2">
-            <a:schemeClr val="accent1">
+            <a:schemeClr val="accent3">
               <a:shade val="50000"/>
             </a:schemeClr>
           </a:lnRef>
           <a:fillRef idx="1">
-            <a:schemeClr val="accent1"/>
+            <a:schemeClr val="accent3"/>
           </a:fillRef>
           <a:effectRef idx="0">
-            <a:schemeClr val="accent1"/>
+            <a:schemeClr val="accent3"/>
+          </a:effectRef>
+          <a:fontRef idx="minor">
+            <a:schemeClr val="lt1"/>
+          </a:fontRef>
+        </p:style>
+        <p:txBody>
+          <a:bodyPr rtlCol="0" anchor="ctr"/>
+          <a:lstStyle/>
+          <a:p>
+            <a:pPr algn="ctr"/>
+            <a:endParaRPr lang="en-US"/>
+          </a:p>
+        </p:txBody>
+      </p:sp>
+      <p:sp>
+        <p:nvSpPr>
+          <p:cNvPr id="13" name="Isosceles Triangle 12">
+            <a:extLst>
+              <a:ext uri="{FF2B5EF4-FFF2-40B4-BE49-F238E27FC236}">
+                <a16:creationId xmlns:a16="http://schemas.microsoft.com/office/drawing/2014/main" id="{FFF44A3A-2B1A-4099-9B46-927E7DC1CE03}"/>
+              </a:ext>
+            </a:extLst>
+          </p:cNvPr>
+          <p:cNvSpPr/>
+          <p:nvPr/>
+        </p:nvSpPr>
+        <p:spPr>
+          <a:xfrm>
+            <a:off x="7117121" y="3225065"/>
+            <a:ext cx="1913466" cy="1374539"/>
+          </a:xfrm>
+          <a:prstGeom prst="triangle">
+            <a:avLst/>
+          </a:prstGeom>
+        </p:spPr>
+        <p:style>
+          <a:lnRef idx="2">
+            <a:schemeClr val="accent3">
+              <a:shade val="50000"/>
+            </a:schemeClr>
+          </a:lnRef>
+          <a:fillRef idx="1">
+            <a:schemeClr val="accent3"/>
+          </a:fillRef>
+          <a:effectRef idx="0">
+            <a:schemeClr val="accent3"/>
           </a:effectRef>
           <a:fontRef idx="minor">
             <a:schemeClr val="lt1"/>
@@ -5538,10 +5556,10 @@
       </p:sp>
       <p:sp>
         <p:nvSpPr>
-          <p:cNvPr id="15" name="Arrow: Right 14">
+          <p:cNvPr id="14" name="Arrow: Right 13">
             <a:extLst>
               <a:ext uri="{FF2B5EF4-FFF2-40B4-BE49-F238E27FC236}">
-                <a16:creationId xmlns:a16="http://schemas.microsoft.com/office/drawing/2014/main" id="{1A68AC35-E907-4B56-981C-BCA510F0DF13}"/>
+                <a16:creationId xmlns:a16="http://schemas.microsoft.com/office/drawing/2014/main" id="{3F80121D-B801-417B-A7C2-5FB218F62849}"/>
               </a:ext>
             </a:extLst>
           </p:cNvPr>
@@ -5549,9 +5567,9 @@
           <p:nvPr/>
         </p:nvSpPr>
         <p:spPr>
-          <a:xfrm rot="9255842">
-            <a:off x="4766020" y="1845548"/>
-            <a:ext cx="1230940" cy="243761"/>
+          <a:xfrm>
+            <a:off x="5985933" y="5718937"/>
+            <a:ext cx="1219200" cy="243761"/>
           </a:xfrm>
           <a:prstGeom prst="rightArrow">
             <a:avLst/>
@@ -5559,15 +5577,15 @@
         </p:spPr>
         <p:style>
           <a:lnRef idx="2">
-            <a:schemeClr val="accent1">
+            <a:schemeClr val="accent3">
               <a:shade val="50000"/>
             </a:schemeClr>
           </a:lnRef>
           <a:fillRef idx="1">
-            <a:schemeClr val="accent1"/>
+            <a:schemeClr val="accent3"/>
           </a:fillRef>
           <a:effectRef idx="0">
-            <a:schemeClr val="accent1"/>
+            <a:schemeClr val="accent3"/>
           </a:effectRef>
           <a:fontRef idx="minor">
             <a:schemeClr val="lt1"/>
@@ -5584,10 +5602,10 @@
       </p:sp>
       <p:sp>
         <p:nvSpPr>
-          <p:cNvPr id="16" name="Arrow: Right 15">
+          <p:cNvPr id="15" name="Isosceles Triangle 14">
             <a:extLst>
               <a:ext uri="{FF2B5EF4-FFF2-40B4-BE49-F238E27FC236}">
-                <a16:creationId xmlns:a16="http://schemas.microsoft.com/office/drawing/2014/main" id="{6087FF73-5ECD-4349-88C1-17B713D16DC9}"/>
+                <a16:creationId xmlns:a16="http://schemas.microsoft.com/office/drawing/2014/main" id="{863EE4CA-1F39-4872-AFF1-73A6077A7670}"/>
               </a:ext>
             </a:extLst>
           </p:cNvPr>
@@ -5595,25 +5613,25 @@
           <p:nvPr/>
         </p:nvSpPr>
         <p:spPr>
-          <a:xfrm rot="9255842">
-            <a:off x="4770397" y="3779632"/>
-            <a:ext cx="802223" cy="243761"/>
-          </a:xfrm>
-          <a:prstGeom prst="rightArrow">
+          <a:xfrm>
+            <a:off x="7103534" y="4972715"/>
+            <a:ext cx="1913466" cy="1374539"/>
+          </a:xfrm>
+          <a:prstGeom prst="triangle">
             <a:avLst/>
           </a:prstGeom>
         </p:spPr>
         <p:style>
           <a:lnRef idx="2">
-            <a:schemeClr val="accent1">
+            <a:schemeClr val="accent3">
               <a:shade val="50000"/>
             </a:schemeClr>
           </a:lnRef>
           <a:fillRef idx="1">
-            <a:schemeClr val="accent1"/>
+            <a:schemeClr val="accent3"/>
           </a:fillRef>
           <a:effectRef idx="0">
-            <a:schemeClr val="accent1"/>
+            <a:schemeClr val="accent3"/>
           </a:effectRef>
           <a:fontRef idx="minor">
             <a:schemeClr val="lt1"/>
@@ -5624,108 +5642,36 @@
           <a:lstStyle/>
           <a:p>
             <a:pPr algn="ctr"/>
-            <a:endParaRPr lang="en-US"/>
-          </a:p>
-        </p:txBody>
-      </p:sp>
-      <p:sp>
-        <p:nvSpPr>
-          <p:cNvPr id="17" name="Arrow: Right 16">
+            <a:r>
+              <a:rPr lang="en-US" sz="2400" dirty="0">
+                <a:solidFill>
+                  <a:schemeClr val="bg1"/>
+                </a:solidFill>
+              </a:rPr>
+              <a:t>.</a:t>
+            </a:r>
+            <a:r>
+              <a:rPr lang="en-US" sz="2400" dirty="0" err="1">
+                <a:solidFill>
+                  <a:schemeClr val="bg1"/>
+                </a:solidFill>
+              </a:rPr>
+              <a:t>scss</a:t>
+            </a:r>
+            <a:endParaRPr lang="en-US" sz="2400" dirty="0">
+              <a:solidFill>
+                <a:schemeClr val="bg1"/>
+              </a:solidFill>
+            </a:endParaRPr>
+          </a:p>
+        </p:txBody>
+      </p:sp>
+      <p:sp>
+        <p:nvSpPr>
+          <p:cNvPr id="3" name="TextBox 2">
             <a:extLst>
               <a:ext uri="{FF2B5EF4-FFF2-40B4-BE49-F238E27FC236}">
-                <a16:creationId xmlns:a16="http://schemas.microsoft.com/office/drawing/2014/main" id="{C8073165-6FAA-4A9B-819F-DD40CF16DD2C}"/>
-              </a:ext>
-            </a:extLst>
-          </p:cNvPr>
-          <p:cNvSpPr/>
-          <p:nvPr/>
-        </p:nvSpPr>
-        <p:spPr>
-          <a:xfrm rot="10800000">
-            <a:off x="4799072" y="2388346"/>
-            <a:ext cx="3325543" cy="243761"/>
-          </a:xfrm>
-          <a:prstGeom prst="rightArrow">
-            <a:avLst/>
-          </a:prstGeom>
-        </p:spPr>
-        <p:style>
-          <a:lnRef idx="2">
-            <a:schemeClr val="accent1">
-              <a:shade val="50000"/>
-            </a:schemeClr>
-          </a:lnRef>
-          <a:fillRef idx="1">
-            <a:schemeClr val="accent1"/>
-          </a:fillRef>
-          <a:effectRef idx="0">
-            <a:schemeClr val="accent1"/>
-          </a:effectRef>
-          <a:fontRef idx="minor">
-            <a:schemeClr val="lt1"/>
-          </a:fontRef>
-        </p:style>
-        <p:txBody>
-          <a:bodyPr rtlCol="0" anchor="ctr"/>
-          <a:lstStyle/>
-          <a:p>
-            <a:pPr algn="ctr"/>
-            <a:endParaRPr lang="en-US"/>
-          </a:p>
-        </p:txBody>
-      </p:sp>
-      <p:sp>
-        <p:nvSpPr>
-          <p:cNvPr id="18" name="Arrow: Right 17">
-            <a:extLst>
-              <a:ext uri="{FF2B5EF4-FFF2-40B4-BE49-F238E27FC236}">
-                <a16:creationId xmlns:a16="http://schemas.microsoft.com/office/drawing/2014/main" id="{542C1D66-C8D3-480C-AE69-C0813986F6E6}"/>
-              </a:ext>
-            </a:extLst>
-          </p:cNvPr>
-          <p:cNvSpPr/>
-          <p:nvPr/>
-        </p:nvSpPr>
-        <p:spPr>
-          <a:xfrm rot="11490360">
-            <a:off x="4797543" y="4489330"/>
-            <a:ext cx="2446565" cy="243761"/>
-          </a:xfrm>
-          <a:prstGeom prst="rightArrow">
-            <a:avLst/>
-          </a:prstGeom>
-        </p:spPr>
-        <p:style>
-          <a:lnRef idx="2">
-            <a:schemeClr val="accent1">
-              <a:shade val="50000"/>
-            </a:schemeClr>
-          </a:lnRef>
-          <a:fillRef idx="1">
-            <a:schemeClr val="accent1"/>
-          </a:fillRef>
-          <a:effectRef idx="0">
-            <a:schemeClr val="accent1"/>
-          </a:effectRef>
-          <a:fontRef idx="minor">
-            <a:schemeClr val="lt1"/>
-          </a:fontRef>
-        </p:style>
-        <p:txBody>
-          <a:bodyPr rtlCol="0" anchor="ctr"/>
-          <a:lstStyle/>
-          <a:p>
-            <a:pPr algn="ctr"/>
-            <a:endParaRPr lang="en-US"/>
-          </a:p>
-        </p:txBody>
-      </p:sp>
-      <p:sp>
-        <p:nvSpPr>
-          <p:cNvPr id="19" name="TextBox 18">
-            <a:extLst>
-              <a:ext uri="{FF2B5EF4-FFF2-40B4-BE49-F238E27FC236}">
-                <a16:creationId xmlns:a16="http://schemas.microsoft.com/office/drawing/2014/main" id="{3CA216AD-844B-41B7-A3B0-340D82F6E793}"/>
+                <a16:creationId xmlns:a16="http://schemas.microsoft.com/office/drawing/2014/main" id="{0761C326-03C0-46DA-95F4-524E4A9A2948}"/>
               </a:ext>
             </a:extLst>
           </p:cNvPr>
@@ -5734,8 +5680,8 @@
         </p:nvSpPr>
         <p:spPr>
           <a:xfrm>
-            <a:off x="2235200" y="6123752"/>
-            <a:ext cx="8178799" cy="461665"/>
+            <a:off x="1556084" y="6347254"/>
+            <a:ext cx="4804611" cy="338554"/>
           </a:xfrm>
           <a:prstGeom prst="rect">
             <a:avLst/>
@@ -5749,22 +5695,28 @@
           <a:lstStyle/>
           <a:p>
             <a:r>
-              <a:rPr lang="en-US" sz="1200" dirty="0"/>
-              <a:t>Example comparison: https://medium.com/javascript-in-plain-english/i-created-the-exact-same-app-in-react-and-vue-part-2-angular-39b1aa289878</a:t>
-            </a:r>
+              <a:rPr lang="en-US" sz="1600" dirty="0">
+                <a:hlinkClick r:id="rId2"/>
+              </a:rPr>
+              <a:t>https://reactjs.org/docs/getting-started.html</a:t>
+            </a:r>
+            <a:endParaRPr lang="en-US" sz="1600" dirty="0"/>
           </a:p>
         </p:txBody>
       </p:sp>
     </p:spTree>
     <p:extLst>
       <p:ext uri="{BB962C8B-B14F-4D97-AF65-F5344CB8AC3E}">
-        <p14:creationId xmlns:p14="http://schemas.microsoft.com/office/powerpoint/2010/main" val="2547622423"/>
+        <p14:creationId xmlns:p14="http://schemas.microsoft.com/office/powerpoint/2010/main" val="1522787349"/>
       </p:ext>
     </p:extLst>
   </p:cSld>
   <p:clrMapOvr>
     <a:masterClrMapping/>
   </p:clrMapOvr>
+  <p:transition spd="slow">
+    <p:push dir="u"/>
+  </p:transition>
 </p:sld>
 </file>
 
@@ -5911,6 +5863,9 @@
   <p:clrMapOvr>
     <a:masterClrMapping/>
   </p:clrMapOvr>
+  <p:transition spd="slow">
+    <p:push dir="u"/>
+  </p:transition>
 </p:sld>
 </file>
 
@@ -6047,6 +6002,186 @@
   <p:clrMapOvr>
     <a:masterClrMapping/>
   </p:clrMapOvr>
+  <mc:AlternateContent xmlns:mc="http://schemas.openxmlformats.org/markup-compatibility/2006" xmlns:p14="http://schemas.microsoft.com/office/powerpoint/2010/main">
+    <mc:Choice Requires="p14">
+      <p:transition spd="med" p14:dur="700">
+        <p:fade/>
+      </p:transition>
+    </mc:Choice>
+    <mc:Fallback xmlns="">
+      <p:transition spd="med">
+        <p:fade/>
+      </p:transition>
+    </mc:Fallback>
+  </mc:AlternateContent>
+  <p:timing>
+    <p:tnLst>
+      <p:par>
+        <p:cTn id="1" dur="indefinite" restart="never" nodeType="tmRoot">
+          <p:childTnLst>
+            <p:seq concurrent="1" nextAc="seek">
+              <p:cTn id="2" dur="indefinite" nodeType="mainSeq">
+                <p:childTnLst>
+                  <p:par>
+                    <p:cTn id="3" fill="hold">
+                      <p:stCondLst>
+                        <p:cond delay="indefinite"/>
+                        <p:cond evt="onBegin" delay="0">
+                          <p:tn val="2"/>
+                        </p:cond>
+                      </p:stCondLst>
+                      <p:childTnLst>
+                        <p:par>
+                          <p:cTn id="4" fill="hold">
+                            <p:stCondLst>
+                              <p:cond delay="0"/>
+                            </p:stCondLst>
+                            <p:childTnLst>
+                              <p:par>
+                                <p:cTn id="5" presetID="10" presetClass="entr" presetSubtype="0" fill="hold" grpId="0" nodeType="withEffect">
+                                  <p:stCondLst>
+                                    <p:cond delay="0"/>
+                                  </p:stCondLst>
+                                  <p:childTnLst>
+                                    <p:set>
+                                      <p:cBhvr>
+                                        <p:cTn id="6" dur="1" fill="hold">
+                                          <p:stCondLst>
+                                            <p:cond delay="0"/>
+                                          </p:stCondLst>
+                                        </p:cTn>
+                                        <p:tgtEl>
+                                          <p:spTgt spid="2"/>
+                                        </p:tgtEl>
+                                        <p:attrNameLst>
+                                          <p:attrName>style.visibility</p:attrName>
+                                        </p:attrNameLst>
+                                      </p:cBhvr>
+                                      <p:to>
+                                        <p:strVal val="visible"/>
+                                      </p:to>
+                                    </p:set>
+                                    <p:animEffect transition="in" filter="fade">
+                                      <p:cBhvr>
+                                        <p:cTn id="7" dur="500"/>
+                                        <p:tgtEl>
+                                          <p:spTgt spid="2"/>
+                                        </p:tgtEl>
+                                      </p:cBhvr>
+                                    </p:animEffect>
+                                  </p:childTnLst>
+                                </p:cTn>
+                              </p:par>
+                              <p:par>
+                                <p:cTn id="8" presetID="22" presetClass="entr" presetSubtype="1" fill="hold" nodeType="withEffect">
+                                  <p:stCondLst>
+                                    <p:cond delay="0"/>
+                                  </p:stCondLst>
+                                  <p:childTnLst>
+                                    <p:set>
+                                      <p:cBhvr>
+                                        <p:cTn id="9" dur="1" fill="hold">
+                                          <p:stCondLst>
+                                            <p:cond delay="0"/>
+                                          </p:stCondLst>
+                                        </p:cTn>
+                                        <p:tgtEl>
+                                          <p:spTgt spid="5"/>
+                                        </p:tgtEl>
+                                        <p:attrNameLst>
+                                          <p:attrName>style.visibility</p:attrName>
+                                        </p:attrNameLst>
+                                      </p:cBhvr>
+                                      <p:to>
+                                        <p:strVal val="visible"/>
+                                      </p:to>
+                                    </p:set>
+                                    <p:animEffect transition="in" filter="wipe(up)">
+                                      <p:cBhvr>
+                                        <p:cTn id="10" dur="500"/>
+                                        <p:tgtEl>
+                                          <p:spTgt spid="5"/>
+                                        </p:tgtEl>
+                                      </p:cBhvr>
+                                    </p:animEffect>
+                                  </p:childTnLst>
+                                </p:cTn>
+                              </p:par>
+                              <p:par>
+                                <p:cTn id="11" presetID="10" presetClass="entr" presetSubtype="0" fill="hold" grpId="0" nodeType="withEffect">
+                                  <p:stCondLst>
+                                    <p:cond delay="0"/>
+                                  </p:stCondLst>
+                                  <p:childTnLst>
+                                    <p:set>
+                                      <p:cBhvr>
+                                        <p:cTn id="12" dur="1" fill="hold">
+                                          <p:stCondLst>
+                                            <p:cond delay="0"/>
+                                          </p:stCondLst>
+                                        </p:cTn>
+                                        <p:tgtEl>
+                                          <p:spTgt spid="3">
+                                            <p:txEl>
+                                              <p:pRg st="0" end="0"/>
+                                            </p:txEl>
+                                          </p:spTgt>
+                                        </p:tgtEl>
+                                        <p:attrNameLst>
+                                          <p:attrName>style.visibility</p:attrName>
+                                        </p:attrNameLst>
+                                      </p:cBhvr>
+                                      <p:to>
+                                        <p:strVal val="visible"/>
+                                      </p:to>
+                                    </p:set>
+                                    <p:animEffect transition="in" filter="fade">
+                                      <p:cBhvr>
+                                        <p:cTn id="13" dur="500"/>
+                                        <p:tgtEl>
+                                          <p:spTgt spid="3">
+                                            <p:txEl>
+                                              <p:pRg st="0" end="0"/>
+                                            </p:txEl>
+                                          </p:spTgt>
+                                        </p:tgtEl>
+                                      </p:cBhvr>
+                                    </p:animEffect>
+                                  </p:childTnLst>
+                                </p:cTn>
+                              </p:par>
+                            </p:childTnLst>
+                          </p:cTn>
+                        </p:par>
+                      </p:childTnLst>
+                    </p:cTn>
+                  </p:par>
+                </p:childTnLst>
+              </p:cTn>
+              <p:prevCondLst>
+                <p:cond evt="onPrev" delay="0">
+                  <p:tgtEl>
+                    <p:sldTgt/>
+                  </p:tgtEl>
+                </p:cond>
+              </p:prevCondLst>
+              <p:nextCondLst>
+                <p:cond evt="onNext" delay="0">
+                  <p:tgtEl>
+                    <p:sldTgt/>
+                  </p:tgtEl>
+                </p:cond>
+              </p:nextCondLst>
+            </p:seq>
+          </p:childTnLst>
+        </p:cTn>
+      </p:par>
+    </p:tnLst>
+    <p:bldLst>
+      <p:bldP spid="2" grpId="0"/>
+      <p:bldP spid="3" grpId="0" build="p"/>
+    </p:bldLst>
+  </p:timing>
 </p:sld>
 </file>
 
@@ -6072,143 +6207,6 @@
           <p:cNvPr id="2" name="Title 1">
             <a:extLst>
               <a:ext uri="{FF2B5EF4-FFF2-40B4-BE49-F238E27FC236}">
-                <a16:creationId xmlns:a16="http://schemas.microsoft.com/office/drawing/2014/main" id="{5D198E53-BD51-475E-B73F-D4846E60CB79}"/>
-              </a:ext>
-            </a:extLst>
-          </p:cNvPr>
-          <p:cNvSpPr>
-            <a:spLocks noGrp="1"/>
-          </p:cNvSpPr>
-          <p:nvPr>
-            <p:ph type="title"/>
-          </p:nvPr>
-        </p:nvSpPr>
-        <p:spPr>
-          <a:xfrm>
-            <a:off x="1007533" y="0"/>
-            <a:ext cx="10303934" cy="5029200"/>
-          </a:xfrm>
-        </p:spPr>
-        <p:txBody>
-          <a:bodyPr>
-            <a:normAutofit/>
-          </a:bodyPr>
-          <a:lstStyle/>
-          <a:p>
-            <a:pPr algn="ctr"/>
-            <a:r>
-              <a:rPr lang="en-US" sz="8000" cap="all" dirty="0"/>
-              <a:t>JAVASCRIPT IS NOT scary. Use JavaScript in youR projects</a:t>
-            </a:r>
-          </a:p>
-        </p:txBody>
-      </p:sp>
-      <p:sp>
-        <p:nvSpPr>
-          <p:cNvPr id="3" name="TextBox 2">
-            <a:extLst>
-              <a:ext uri="{FF2B5EF4-FFF2-40B4-BE49-F238E27FC236}">
-                <a16:creationId xmlns:a16="http://schemas.microsoft.com/office/drawing/2014/main" id="{621E05BE-882F-4CAC-9345-E72A86D784BC}"/>
-              </a:ext>
-            </a:extLst>
-          </p:cNvPr>
-          <p:cNvSpPr txBox="1"/>
-          <p:nvPr/>
-        </p:nvSpPr>
-        <p:spPr>
-          <a:xfrm>
-            <a:off x="3318933" y="5249333"/>
-            <a:ext cx="5816600" cy="369332"/>
-          </a:xfrm>
-          <a:prstGeom prst="rect">
-            <a:avLst/>
-          </a:prstGeom>
-          <a:noFill/>
-        </p:spPr>
-        <p:txBody>
-          <a:bodyPr wrap="square" rtlCol="0">
-            <a:spAutoFit/>
-          </a:bodyPr>
-          <a:lstStyle/>
-          <a:p>
-            <a:r>
-              <a:rPr lang="en-US" dirty="0"/>
-              <a:t>Personal and school (why not?)</a:t>
-            </a:r>
-          </a:p>
-        </p:txBody>
-      </p:sp>
-      <p:pic>
-        <p:nvPicPr>
-          <p:cNvPr id="5" name="Picture 4" descr="A close up of a person&#10;&#10;Description automatically generated">
-            <a:extLst>
-              <a:ext uri="{FF2B5EF4-FFF2-40B4-BE49-F238E27FC236}">
-                <a16:creationId xmlns:a16="http://schemas.microsoft.com/office/drawing/2014/main" id="{DE33C843-047F-4161-BD46-184EE19CCC36}"/>
-              </a:ext>
-            </a:extLst>
-          </p:cNvPr>
-          <p:cNvPicPr>
-            <a:picLocks noChangeAspect="1"/>
-          </p:cNvPicPr>
-          <p:nvPr/>
-        </p:nvPicPr>
-        <p:blipFill>
-          <a:blip r:embed="rId2">
-            <a:extLst>
-              <a:ext uri="{28A0092B-C50C-407E-A947-70E740481C1C}">
-                <a14:useLocalDpi xmlns:a14="http://schemas.microsoft.com/office/drawing/2010/main" val="0"/>
-              </a:ext>
-            </a:extLst>
-          </a:blip>
-          <a:stretch>
-            <a:fillRect/>
-          </a:stretch>
-        </p:blipFill>
-        <p:spPr>
-          <a:xfrm>
-            <a:off x="7679266" y="4401065"/>
-            <a:ext cx="3048000" cy="2286000"/>
-          </a:xfrm>
-          <a:prstGeom prst="rect">
-            <a:avLst/>
-          </a:prstGeom>
-        </p:spPr>
-      </p:pic>
-    </p:spTree>
-    <p:extLst>
-      <p:ext uri="{BB962C8B-B14F-4D97-AF65-F5344CB8AC3E}">
-        <p14:creationId xmlns:p14="http://schemas.microsoft.com/office/powerpoint/2010/main" val="2945297582"/>
-      </p:ext>
-    </p:extLst>
-  </p:cSld>
-  <p:clrMapOvr>
-    <a:masterClrMapping/>
-  </p:clrMapOvr>
-</p:sld>
-</file>
-
-<file path=ppt/slides/slide14.xml><?xml version="1.0" encoding="utf-8"?>
-<p:sld xmlns:a="http://schemas.openxmlformats.org/drawingml/2006/main" xmlns:r="http://schemas.openxmlformats.org/officeDocument/2006/relationships" xmlns:p="http://schemas.openxmlformats.org/presentationml/2006/main">
-  <p:cSld>
-    <p:spTree>
-      <p:nvGrpSpPr>
-        <p:cNvPr id="1" name=""/>
-        <p:cNvGrpSpPr/>
-        <p:nvPr/>
-      </p:nvGrpSpPr>
-      <p:grpSpPr>
-        <a:xfrm>
-          <a:off x="0" y="0"/>
-          <a:ext cx="0" cy="0"/>
-          <a:chOff x="0" y="0"/>
-          <a:chExt cx="0" cy="0"/>
-        </a:xfrm>
-      </p:grpSpPr>
-      <p:sp>
-        <p:nvSpPr>
-          <p:cNvPr id="2" name="Title 1">
-            <a:extLst>
-              <a:ext uri="{FF2B5EF4-FFF2-40B4-BE49-F238E27FC236}">
                 <a16:creationId xmlns:a16="http://schemas.microsoft.com/office/drawing/2014/main" id="{39857411-15B9-4B29-80C7-A37B62623228}"/>
               </a:ext>
             </a:extLst>
@@ -6222,8 +6220,8 @@
         </p:nvSpPr>
         <p:spPr>
           <a:xfrm>
-            <a:off x="1202886" y="198502"/>
-            <a:ext cx="7958331" cy="1077229"/>
+            <a:off x="1202886" y="2351771"/>
+            <a:ext cx="4689915" cy="1077229"/>
           </a:xfrm>
         </p:spPr>
         <p:txBody>
@@ -6232,8 +6230,12 @@
           <a:p>
             <a:pPr algn="l"/>
             <a:r>
+              <a:rPr lang="en-US"/>
+              <a:t>Reason</a:t>
+            </a:r>
+            <a:r>
               <a:rPr lang="en-US" dirty="0"/>
-              <a:t>Another Reason: Stats</a:t>
+              <a:t>: Stats</a:t>
             </a:r>
           </a:p>
         </p:txBody>
@@ -6319,10 +6321,22 @@
   <p:clrMapOvr>
     <a:masterClrMapping/>
   </p:clrMapOvr>
+  <mc:AlternateContent xmlns:mc="http://schemas.openxmlformats.org/markup-compatibility/2006" xmlns:p14="http://schemas.microsoft.com/office/powerpoint/2010/main">
+    <mc:Choice Requires="p14">
+      <p:transition spd="med" p14:dur="700">
+        <p:fade/>
+      </p:transition>
+    </mc:Choice>
+    <mc:Fallback xmlns="">
+      <p:transition spd="med">
+        <p:fade/>
+      </p:transition>
+    </mc:Fallback>
+  </mc:AlternateContent>
 </p:sld>
 </file>
 
-<file path=ppt/slides/slide15.xml><?xml version="1.0" encoding="utf-8"?>
+<file path=ppt/slides/slide14.xml><?xml version="1.0" encoding="utf-8"?>
 <p:sld xmlns:a="http://schemas.openxmlformats.org/drawingml/2006/main" xmlns:r="http://schemas.openxmlformats.org/officeDocument/2006/relationships" xmlns:p="http://schemas.openxmlformats.org/presentationml/2006/main">
   <p:cSld>
     <p:spTree>
@@ -7033,6 +7047,1555 @@
   <p:clrMapOvr>
     <a:masterClrMapping/>
   </p:clrMapOvr>
+  <mc:AlternateContent xmlns:mc="http://schemas.openxmlformats.org/markup-compatibility/2006" xmlns:p14="http://schemas.microsoft.com/office/powerpoint/2010/main">
+    <mc:Choice Requires="p14">
+      <p:transition spd="med" p14:dur="700">
+        <p:fade/>
+      </p:transition>
+    </mc:Choice>
+    <mc:Fallback xmlns="">
+      <p:transition spd="med">
+        <p:fade/>
+      </p:transition>
+    </mc:Fallback>
+  </mc:AlternateContent>
+  <p:timing>
+    <p:tnLst>
+      <p:par>
+        <p:cTn id="1" dur="indefinite" restart="never" nodeType="tmRoot">
+          <p:childTnLst>
+            <p:seq concurrent="1" nextAc="seek">
+              <p:cTn id="2" dur="indefinite" nodeType="mainSeq">
+                <p:childTnLst>
+                  <p:par>
+                    <p:cTn id="3" fill="hold">
+                      <p:stCondLst>
+                        <p:cond delay="indefinite"/>
+                        <p:cond evt="onBegin" delay="0">
+                          <p:tn val="2"/>
+                        </p:cond>
+                      </p:stCondLst>
+                      <p:childTnLst>
+                        <p:par>
+                          <p:cTn id="4" fill="hold">
+                            <p:stCondLst>
+                              <p:cond delay="0"/>
+                            </p:stCondLst>
+                            <p:childTnLst>
+                              <p:par>
+                                <p:cTn id="5" presetID="10" presetClass="entr" presetSubtype="0" fill="hold" grpId="0" nodeType="withEffect">
+                                  <p:stCondLst>
+                                    <p:cond delay="0"/>
+                                  </p:stCondLst>
+                                  <p:childTnLst>
+                                    <p:set>
+                                      <p:cBhvr>
+                                        <p:cTn id="6" dur="1" fill="hold">
+                                          <p:stCondLst>
+                                            <p:cond delay="0"/>
+                                          </p:stCondLst>
+                                        </p:cTn>
+                                        <p:tgtEl>
+                                          <p:spTgt spid="2"/>
+                                        </p:tgtEl>
+                                        <p:attrNameLst>
+                                          <p:attrName>style.visibility</p:attrName>
+                                        </p:attrNameLst>
+                                      </p:cBhvr>
+                                      <p:to>
+                                        <p:strVal val="visible"/>
+                                      </p:to>
+                                    </p:set>
+                                    <p:animEffect transition="in" filter="fade">
+                                      <p:cBhvr>
+                                        <p:cTn id="7" dur="500"/>
+                                        <p:tgtEl>
+                                          <p:spTgt spid="2"/>
+                                        </p:tgtEl>
+                                      </p:cBhvr>
+                                    </p:animEffect>
+                                  </p:childTnLst>
+                                </p:cTn>
+                              </p:par>
+                            </p:childTnLst>
+                          </p:cTn>
+                        </p:par>
+                      </p:childTnLst>
+                    </p:cTn>
+                  </p:par>
+                  <p:par>
+                    <p:cTn id="8" fill="hold">
+                      <p:stCondLst>
+                        <p:cond delay="indefinite"/>
+                      </p:stCondLst>
+                      <p:childTnLst>
+                        <p:par>
+                          <p:cTn id="9" fill="hold">
+                            <p:stCondLst>
+                              <p:cond delay="0"/>
+                            </p:stCondLst>
+                            <p:childTnLst>
+                              <p:par>
+                                <p:cTn id="10" presetID="42" presetClass="entr" presetSubtype="0" fill="hold" grpId="0" nodeType="clickEffect">
+                                  <p:stCondLst>
+                                    <p:cond delay="0"/>
+                                  </p:stCondLst>
+                                  <p:childTnLst>
+                                    <p:set>
+                                      <p:cBhvr>
+                                        <p:cTn id="11" dur="1" fill="hold">
+                                          <p:stCondLst>
+                                            <p:cond delay="0"/>
+                                          </p:stCondLst>
+                                        </p:cTn>
+                                        <p:tgtEl>
+                                          <p:spTgt spid="18"/>
+                                        </p:tgtEl>
+                                        <p:attrNameLst>
+                                          <p:attrName>style.visibility</p:attrName>
+                                        </p:attrNameLst>
+                                      </p:cBhvr>
+                                      <p:to>
+                                        <p:strVal val="visible"/>
+                                      </p:to>
+                                    </p:set>
+                                    <p:animEffect transition="in" filter="fade">
+                                      <p:cBhvr>
+                                        <p:cTn id="12" dur="1000"/>
+                                        <p:tgtEl>
+                                          <p:spTgt spid="18"/>
+                                        </p:tgtEl>
+                                      </p:cBhvr>
+                                    </p:animEffect>
+                                    <p:anim calcmode="lin" valueType="num">
+                                      <p:cBhvr>
+                                        <p:cTn id="13" dur="1000" fill="hold"/>
+                                        <p:tgtEl>
+                                          <p:spTgt spid="18"/>
+                                        </p:tgtEl>
+                                        <p:attrNameLst>
+                                          <p:attrName>ppt_x</p:attrName>
+                                        </p:attrNameLst>
+                                      </p:cBhvr>
+                                      <p:tavLst>
+                                        <p:tav tm="0">
+                                          <p:val>
+                                            <p:strVal val="#ppt_x"/>
+                                          </p:val>
+                                        </p:tav>
+                                        <p:tav tm="100000">
+                                          <p:val>
+                                            <p:strVal val="#ppt_x"/>
+                                          </p:val>
+                                        </p:tav>
+                                      </p:tavLst>
+                                    </p:anim>
+                                    <p:anim calcmode="lin" valueType="num">
+                                      <p:cBhvr>
+                                        <p:cTn id="14" dur="1000" fill="hold"/>
+                                        <p:tgtEl>
+                                          <p:spTgt spid="18"/>
+                                        </p:tgtEl>
+                                        <p:attrNameLst>
+                                          <p:attrName>ppt_y</p:attrName>
+                                        </p:attrNameLst>
+                                      </p:cBhvr>
+                                      <p:tavLst>
+                                        <p:tav tm="0">
+                                          <p:val>
+                                            <p:strVal val="#ppt_y+.1"/>
+                                          </p:val>
+                                        </p:tav>
+                                        <p:tav tm="100000">
+                                          <p:val>
+                                            <p:strVal val="#ppt_y"/>
+                                          </p:val>
+                                        </p:tav>
+                                      </p:tavLst>
+                                    </p:anim>
+                                  </p:childTnLst>
+                                </p:cTn>
+                              </p:par>
+                              <p:par>
+                                <p:cTn id="15" presetID="42" presetClass="entr" presetSubtype="0" fill="hold" grpId="0" nodeType="withEffect">
+                                  <p:stCondLst>
+                                    <p:cond delay="0"/>
+                                  </p:stCondLst>
+                                  <p:childTnLst>
+                                    <p:set>
+                                      <p:cBhvr>
+                                        <p:cTn id="16" dur="1" fill="hold">
+                                          <p:stCondLst>
+                                            <p:cond delay="0"/>
+                                          </p:stCondLst>
+                                        </p:cTn>
+                                        <p:tgtEl>
+                                          <p:spTgt spid="17"/>
+                                        </p:tgtEl>
+                                        <p:attrNameLst>
+                                          <p:attrName>style.visibility</p:attrName>
+                                        </p:attrNameLst>
+                                      </p:cBhvr>
+                                      <p:to>
+                                        <p:strVal val="visible"/>
+                                      </p:to>
+                                    </p:set>
+                                    <p:animEffect transition="in" filter="fade">
+                                      <p:cBhvr>
+                                        <p:cTn id="17" dur="1000"/>
+                                        <p:tgtEl>
+                                          <p:spTgt spid="17"/>
+                                        </p:tgtEl>
+                                      </p:cBhvr>
+                                    </p:animEffect>
+                                    <p:anim calcmode="lin" valueType="num">
+                                      <p:cBhvr>
+                                        <p:cTn id="18" dur="1000" fill="hold"/>
+                                        <p:tgtEl>
+                                          <p:spTgt spid="17"/>
+                                        </p:tgtEl>
+                                        <p:attrNameLst>
+                                          <p:attrName>ppt_x</p:attrName>
+                                        </p:attrNameLst>
+                                      </p:cBhvr>
+                                      <p:tavLst>
+                                        <p:tav tm="0">
+                                          <p:val>
+                                            <p:strVal val="#ppt_x"/>
+                                          </p:val>
+                                        </p:tav>
+                                        <p:tav tm="100000">
+                                          <p:val>
+                                            <p:strVal val="#ppt_x"/>
+                                          </p:val>
+                                        </p:tav>
+                                      </p:tavLst>
+                                    </p:anim>
+                                    <p:anim calcmode="lin" valueType="num">
+                                      <p:cBhvr>
+                                        <p:cTn id="19" dur="1000" fill="hold"/>
+                                        <p:tgtEl>
+                                          <p:spTgt spid="17"/>
+                                        </p:tgtEl>
+                                        <p:attrNameLst>
+                                          <p:attrName>ppt_y</p:attrName>
+                                        </p:attrNameLst>
+                                      </p:cBhvr>
+                                      <p:tavLst>
+                                        <p:tav tm="0">
+                                          <p:val>
+                                            <p:strVal val="#ppt_y+.1"/>
+                                          </p:val>
+                                        </p:tav>
+                                        <p:tav tm="100000">
+                                          <p:val>
+                                            <p:strVal val="#ppt_y"/>
+                                          </p:val>
+                                        </p:tav>
+                                      </p:tavLst>
+                                    </p:anim>
+                                  </p:childTnLst>
+                                </p:cTn>
+                              </p:par>
+                            </p:childTnLst>
+                          </p:cTn>
+                        </p:par>
+                      </p:childTnLst>
+                    </p:cTn>
+                  </p:par>
+                  <p:par>
+                    <p:cTn id="20" fill="hold">
+                      <p:stCondLst>
+                        <p:cond delay="indefinite"/>
+                      </p:stCondLst>
+                      <p:childTnLst>
+                        <p:par>
+                          <p:cTn id="21" fill="hold">
+                            <p:stCondLst>
+                              <p:cond delay="0"/>
+                            </p:stCondLst>
+                            <p:childTnLst>
+                              <p:par>
+                                <p:cTn id="22" presetID="47" presetClass="entr" presetSubtype="0" fill="hold" grpId="0" nodeType="clickEffect">
+                                  <p:stCondLst>
+                                    <p:cond delay="0"/>
+                                  </p:stCondLst>
+                                  <p:childTnLst>
+                                    <p:set>
+                                      <p:cBhvr>
+                                        <p:cTn id="23" dur="1" fill="hold">
+                                          <p:stCondLst>
+                                            <p:cond delay="0"/>
+                                          </p:stCondLst>
+                                        </p:cTn>
+                                        <p:tgtEl>
+                                          <p:spTgt spid="13"/>
+                                        </p:tgtEl>
+                                        <p:attrNameLst>
+                                          <p:attrName>style.visibility</p:attrName>
+                                        </p:attrNameLst>
+                                      </p:cBhvr>
+                                      <p:to>
+                                        <p:strVal val="visible"/>
+                                      </p:to>
+                                    </p:set>
+                                    <p:animEffect transition="in" filter="fade">
+                                      <p:cBhvr>
+                                        <p:cTn id="24" dur="1000"/>
+                                        <p:tgtEl>
+                                          <p:spTgt spid="13"/>
+                                        </p:tgtEl>
+                                      </p:cBhvr>
+                                    </p:animEffect>
+                                    <p:anim calcmode="lin" valueType="num">
+                                      <p:cBhvr>
+                                        <p:cTn id="25" dur="1000" fill="hold"/>
+                                        <p:tgtEl>
+                                          <p:spTgt spid="13"/>
+                                        </p:tgtEl>
+                                        <p:attrNameLst>
+                                          <p:attrName>ppt_x</p:attrName>
+                                        </p:attrNameLst>
+                                      </p:cBhvr>
+                                      <p:tavLst>
+                                        <p:tav tm="0">
+                                          <p:val>
+                                            <p:strVal val="#ppt_x"/>
+                                          </p:val>
+                                        </p:tav>
+                                        <p:tav tm="100000">
+                                          <p:val>
+                                            <p:strVal val="#ppt_x"/>
+                                          </p:val>
+                                        </p:tav>
+                                      </p:tavLst>
+                                    </p:anim>
+                                    <p:anim calcmode="lin" valueType="num">
+                                      <p:cBhvr>
+                                        <p:cTn id="26" dur="1000" fill="hold"/>
+                                        <p:tgtEl>
+                                          <p:spTgt spid="13"/>
+                                        </p:tgtEl>
+                                        <p:attrNameLst>
+                                          <p:attrName>ppt_y</p:attrName>
+                                        </p:attrNameLst>
+                                      </p:cBhvr>
+                                      <p:tavLst>
+                                        <p:tav tm="0">
+                                          <p:val>
+                                            <p:strVal val="#ppt_y-.1"/>
+                                          </p:val>
+                                        </p:tav>
+                                        <p:tav tm="100000">
+                                          <p:val>
+                                            <p:strVal val="#ppt_y"/>
+                                          </p:val>
+                                        </p:tav>
+                                      </p:tavLst>
+                                    </p:anim>
+                                  </p:childTnLst>
+                                </p:cTn>
+                              </p:par>
+                              <p:par>
+                                <p:cTn id="27" presetID="47" presetClass="entr" presetSubtype="0" fill="hold" nodeType="withEffect">
+                                  <p:stCondLst>
+                                    <p:cond delay="0"/>
+                                  </p:stCondLst>
+                                  <p:childTnLst>
+                                    <p:set>
+                                      <p:cBhvr>
+                                        <p:cTn id="28" dur="1" fill="hold">
+                                          <p:stCondLst>
+                                            <p:cond delay="0"/>
+                                          </p:stCondLst>
+                                        </p:cTn>
+                                        <p:tgtEl>
+                                          <p:spTgt spid="12"/>
+                                        </p:tgtEl>
+                                        <p:attrNameLst>
+                                          <p:attrName>style.visibility</p:attrName>
+                                        </p:attrNameLst>
+                                      </p:cBhvr>
+                                      <p:to>
+                                        <p:strVal val="visible"/>
+                                      </p:to>
+                                    </p:set>
+                                    <p:animEffect transition="in" filter="fade">
+                                      <p:cBhvr>
+                                        <p:cTn id="29" dur="1000"/>
+                                        <p:tgtEl>
+                                          <p:spTgt spid="12"/>
+                                        </p:tgtEl>
+                                      </p:cBhvr>
+                                    </p:animEffect>
+                                    <p:anim calcmode="lin" valueType="num">
+                                      <p:cBhvr>
+                                        <p:cTn id="30" dur="1000" fill="hold"/>
+                                        <p:tgtEl>
+                                          <p:spTgt spid="12"/>
+                                        </p:tgtEl>
+                                        <p:attrNameLst>
+                                          <p:attrName>ppt_x</p:attrName>
+                                        </p:attrNameLst>
+                                      </p:cBhvr>
+                                      <p:tavLst>
+                                        <p:tav tm="0">
+                                          <p:val>
+                                            <p:strVal val="#ppt_x"/>
+                                          </p:val>
+                                        </p:tav>
+                                        <p:tav tm="100000">
+                                          <p:val>
+                                            <p:strVal val="#ppt_x"/>
+                                          </p:val>
+                                        </p:tav>
+                                      </p:tavLst>
+                                    </p:anim>
+                                    <p:anim calcmode="lin" valueType="num">
+                                      <p:cBhvr>
+                                        <p:cTn id="31" dur="1000" fill="hold"/>
+                                        <p:tgtEl>
+                                          <p:spTgt spid="12"/>
+                                        </p:tgtEl>
+                                        <p:attrNameLst>
+                                          <p:attrName>ppt_y</p:attrName>
+                                        </p:attrNameLst>
+                                      </p:cBhvr>
+                                      <p:tavLst>
+                                        <p:tav tm="0">
+                                          <p:val>
+                                            <p:strVal val="#ppt_y-.1"/>
+                                          </p:val>
+                                        </p:tav>
+                                        <p:tav tm="100000">
+                                          <p:val>
+                                            <p:strVal val="#ppt_y"/>
+                                          </p:val>
+                                        </p:tav>
+                                      </p:tavLst>
+                                    </p:anim>
+                                  </p:childTnLst>
+                                </p:cTn>
+                              </p:par>
+                            </p:childTnLst>
+                          </p:cTn>
+                        </p:par>
+                      </p:childTnLst>
+                    </p:cTn>
+                  </p:par>
+                  <p:par>
+                    <p:cTn id="32" fill="hold">
+                      <p:stCondLst>
+                        <p:cond delay="indefinite"/>
+                      </p:stCondLst>
+                      <p:childTnLst>
+                        <p:par>
+                          <p:cTn id="33" fill="hold">
+                            <p:stCondLst>
+                              <p:cond delay="0"/>
+                            </p:stCondLst>
+                            <p:childTnLst>
+                              <p:par>
+                                <p:cTn id="34" presetID="16" presetClass="entr" presetSubtype="21" fill="hold" nodeType="clickEffect">
+                                  <p:stCondLst>
+                                    <p:cond delay="0"/>
+                                  </p:stCondLst>
+                                  <p:childTnLst>
+                                    <p:set>
+                                      <p:cBhvr>
+                                        <p:cTn id="35" dur="1" fill="hold">
+                                          <p:stCondLst>
+                                            <p:cond delay="0"/>
+                                          </p:stCondLst>
+                                        </p:cTn>
+                                        <p:tgtEl>
+                                          <p:spTgt spid="8"/>
+                                        </p:tgtEl>
+                                        <p:attrNameLst>
+                                          <p:attrName>style.visibility</p:attrName>
+                                        </p:attrNameLst>
+                                      </p:cBhvr>
+                                      <p:to>
+                                        <p:strVal val="visible"/>
+                                      </p:to>
+                                    </p:set>
+                                    <p:animEffect transition="in" filter="barn(inVertical)">
+                                      <p:cBhvr>
+                                        <p:cTn id="36" dur="500"/>
+                                        <p:tgtEl>
+                                          <p:spTgt spid="8"/>
+                                        </p:tgtEl>
+                                      </p:cBhvr>
+                                    </p:animEffect>
+                                  </p:childTnLst>
+                                </p:cTn>
+                              </p:par>
+                              <p:par>
+                                <p:cTn id="37" presetID="16" presetClass="entr" presetSubtype="21" fill="hold" grpId="0" nodeType="withEffect">
+                                  <p:stCondLst>
+                                    <p:cond delay="0"/>
+                                  </p:stCondLst>
+                                  <p:childTnLst>
+                                    <p:set>
+                                      <p:cBhvr>
+                                        <p:cTn id="38" dur="1" fill="hold">
+                                          <p:stCondLst>
+                                            <p:cond delay="0"/>
+                                          </p:stCondLst>
+                                        </p:cTn>
+                                        <p:tgtEl>
+                                          <p:spTgt spid="9"/>
+                                        </p:tgtEl>
+                                        <p:attrNameLst>
+                                          <p:attrName>style.visibility</p:attrName>
+                                        </p:attrNameLst>
+                                      </p:cBhvr>
+                                      <p:to>
+                                        <p:strVal val="visible"/>
+                                      </p:to>
+                                    </p:set>
+                                    <p:animEffect transition="in" filter="barn(inVertical)">
+                                      <p:cBhvr>
+                                        <p:cTn id="39" dur="500"/>
+                                        <p:tgtEl>
+                                          <p:spTgt spid="9"/>
+                                        </p:tgtEl>
+                                      </p:cBhvr>
+                                    </p:animEffect>
+                                  </p:childTnLst>
+                                </p:cTn>
+                              </p:par>
+                            </p:childTnLst>
+                          </p:cTn>
+                        </p:par>
+                      </p:childTnLst>
+                    </p:cTn>
+                  </p:par>
+                  <p:par>
+                    <p:cTn id="40" fill="hold">
+                      <p:stCondLst>
+                        <p:cond delay="indefinite"/>
+                      </p:stCondLst>
+                      <p:childTnLst>
+                        <p:par>
+                          <p:cTn id="41" fill="hold">
+                            <p:stCondLst>
+                              <p:cond delay="0"/>
+                            </p:stCondLst>
+                            <p:childTnLst>
+                              <p:par>
+                                <p:cTn id="42" presetID="14" presetClass="entr" presetSubtype="10" fill="hold" nodeType="clickEffect">
+                                  <p:stCondLst>
+                                    <p:cond delay="0"/>
+                                  </p:stCondLst>
+                                  <p:childTnLst>
+                                    <p:set>
+                                      <p:cBhvr>
+                                        <p:cTn id="43" dur="1" fill="hold">
+                                          <p:stCondLst>
+                                            <p:cond delay="0"/>
+                                          </p:stCondLst>
+                                        </p:cTn>
+                                        <p:tgtEl>
+                                          <p:spTgt spid="21"/>
+                                        </p:tgtEl>
+                                        <p:attrNameLst>
+                                          <p:attrName>style.visibility</p:attrName>
+                                        </p:attrNameLst>
+                                      </p:cBhvr>
+                                      <p:to>
+                                        <p:strVal val="visible"/>
+                                      </p:to>
+                                    </p:set>
+                                    <p:animEffect transition="in" filter="randombar(horizontal)">
+                                      <p:cBhvr>
+                                        <p:cTn id="44" dur="500"/>
+                                        <p:tgtEl>
+                                          <p:spTgt spid="21"/>
+                                        </p:tgtEl>
+                                      </p:cBhvr>
+                                    </p:animEffect>
+                                  </p:childTnLst>
+                                </p:cTn>
+                              </p:par>
+                              <p:par>
+                                <p:cTn id="45" presetID="14" presetClass="entr" presetSubtype="10" fill="hold" grpId="0" nodeType="withEffect">
+                                  <p:stCondLst>
+                                    <p:cond delay="0"/>
+                                  </p:stCondLst>
+                                  <p:childTnLst>
+                                    <p:set>
+                                      <p:cBhvr>
+                                        <p:cTn id="46" dur="1" fill="hold">
+                                          <p:stCondLst>
+                                            <p:cond delay="0"/>
+                                          </p:stCondLst>
+                                        </p:cTn>
+                                        <p:tgtEl>
+                                          <p:spTgt spid="22"/>
+                                        </p:tgtEl>
+                                        <p:attrNameLst>
+                                          <p:attrName>style.visibility</p:attrName>
+                                        </p:attrNameLst>
+                                      </p:cBhvr>
+                                      <p:to>
+                                        <p:strVal val="visible"/>
+                                      </p:to>
+                                    </p:set>
+                                    <p:animEffect transition="in" filter="randombar(horizontal)">
+                                      <p:cBhvr>
+                                        <p:cTn id="47" dur="500"/>
+                                        <p:tgtEl>
+                                          <p:spTgt spid="22"/>
+                                        </p:tgtEl>
+                                      </p:cBhvr>
+                                    </p:animEffect>
+                                  </p:childTnLst>
+                                </p:cTn>
+                              </p:par>
+                            </p:childTnLst>
+                          </p:cTn>
+                        </p:par>
+                      </p:childTnLst>
+                    </p:cTn>
+                  </p:par>
+                  <p:par>
+                    <p:cTn id="48" fill="hold">
+                      <p:stCondLst>
+                        <p:cond delay="indefinite"/>
+                      </p:stCondLst>
+                      <p:childTnLst>
+                        <p:par>
+                          <p:cTn id="49" fill="hold">
+                            <p:stCondLst>
+                              <p:cond delay="0"/>
+                            </p:stCondLst>
+                            <p:childTnLst>
+                              <p:par>
+                                <p:cTn id="50" presetID="21" presetClass="entr" presetSubtype="1" fill="hold" grpId="0" nodeType="clickEffect">
+                                  <p:stCondLst>
+                                    <p:cond delay="0"/>
+                                  </p:stCondLst>
+                                  <p:childTnLst>
+                                    <p:set>
+                                      <p:cBhvr>
+                                        <p:cTn id="51" dur="1" fill="hold">
+                                          <p:stCondLst>
+                                            <p:cond delay="0"/>
+                                          </p:stCondLst>
+                                        </p:cTn>
+                                        <p:tgtEl>
+                                          <p:spTgt spid="31"/>
+                                        </p:tgtEl>
+                                        <p:attrNameLst>
+                                          <p:attrName>style.visibility</p:attrName>
+                                        </p:attrNameLst>
+                                      </p:cBhvr>
+                                      <p:to>
+                                        <p:strVal val="visible"/>
+                                      </p:to>
+                                    </p:set>
+                                    <p:animEffect transition="in" filter="wheel(1)">
+                                      <p:cBhvr>
+                                        <p:cTn id="52" dur="1250"/>
+                                        <p:tgtEl>
+                                          <p:spTgt spid="31"/>
+                                        </p:tgtEl>
+                                      </p:cBhvr>
+                                    </p:animEffect>
+                                  </p:childTnLst>
+                                </p:cTn>
+                              </p:par>
+                              <p:par>
+                                <p:cTn id="53" presetID="21" presetClass="entr" presetSubtype="1" fill="hold" nodeType="withEffect">
+                                  <p:stCondLst>
+                                    <p:cond delay="0"/>
+                                  </p:stCondLst>
+                                  <p:childTnLst>
+                                    <p:set>
+                                      <p:cBhvr>
+                                        <p:cTn id="54" dur="1" fill="hold">
+                                          <p:stCondLst>
+                                            <p:cond delay="0"/>
+                                          </p:stCondLst>
+                                        </p:cTn>
+                                        <p:tgtEl>
+                                          <p:spTgt spid="30"/>
+                                        </p:tgtEl>
+                                        <p:attrNameLst>
+                                          <p:attrName>style.visibility</p:attrName>
+                                        </p:attrNameLst>
+                                      </p:cBhvr>
+                                      <p:to>
+                                        <p:strVal val="visible"/>
+                                      </p:to>
+                                    </p:set>
+                                    <p:animEffect transition="in" filter="wheel(1)">
+                                      <p:cBhvr>
+                                        <p:cTn id="55" dur="1250"/>
+                                        <p:tgtEl>
+                                          <p:spTgt spid="30"/>
+                                        </p:tgtEl>
+                                      </p:cBhvr>
+                                    </p:animEffect>
+                                  </p:childTnLst>
+                                </p:cTn>
+                              </p:par>
+                            </p:childTnLst>
+                          </p:cTn>
+                        </p:par>
+                      </p:childTnLst>
+                    </p:cTn>
+                  </p:par>
+                  <p:par>
+                    <p:cTn id="56" fill="hold">
+                      <p:stCondLst>
+                        <p:cond delay="indefinite"/>
+                      </p:stCondLst>
+                      <p:childTnLst>
+                        <p:par>
+                          <p:cTn id="57" fill="hold">
+                            <p:stCondLst>
+                              <p:cond delay="0"/>
+                            </p:stCondLst>
+                            <p:childTnLst>
+                              <p:par>
+                                <p:cTn id="58" presetID="22" presetClass="entr" presetSubtype="4" fill="hold" nodeType="clickEffect">
+                                  <p:stCondLst>
+                                    <p:cond delay="0"/>
+                                  </p:stCondLst>
+                                  <p:childTnLst>
+                                    <p:set>
+                                      <p:cBhvr>
+                                        <p:cTn id="59" dur="1" fill="hold">
+                                          <p:stCondLst>
+                                            <p:cond delay="0"/>
+                                          </p:stCondLst>
+                                        </p:cTn>
+                                        <p:tgtEl>
+                                          <p:spTgt spid="6"/>
+                                        </p:tgtEl>
+                                        <p:attrNameLst>
+                                          <p:attrName>style.visibility</p:attrName>
+                                        </p:attrNameLst>
+                                      </p:cBhvr>
+                                      <p:to>
+                                        <p:strVal val="visible"/>
+                                      </p:to>
+                                    </p:set>
+                                    <p:animEffect transition="in" filter="wipe(down)">
+                                      <p:cBhvr>
+                                        <p:cTn id="60" dur="500"/>
+                                        <p:tgtEl>
+                                          <p:spTgt spid="6"/>
+                                        </p:tgtEl>
+                                      </p:cBhvr>
+                                    </p:animEffect>
+                                  </p:childTnLst>
+                                </p:cTn>
+                              </p:par>
+                              <p:par>
+                                <p:cTn id="61" presetID="22" presetClass="entr" presetSubtype="4" fill="hold" grpId="0" nodeType="withEffect">
+                                  <p:stCondLst>
+                                    <p:cond delay="0"/>
+                                  </p:stCondLst>
+                                  <p:childTnLst>
+                                    <p:set>
+                                      <p:cBhvr>
+                                        <p:cTn id="62" dur="1" fill="hold">
+                                          <p:stCondLst>
+                                            <p:cond delay="0"/>
+                                          </p:stCondLst>
+                                        </p:cTn>
+                                        <p:tgtEl>
+                                          <p:spTgt spid="10"/>
+                                        </p:tgtEl>
+                                        <p:attrNameLst>
+                                          <p:attrName>style.visibility</p:attrName>
+                                        </p:attrNameLst>
+                                      </p:cBhvr>
+                                      <p:to>
+                                        <p:strVal val="visible"/>
+                                      </p:to>
+                                    </p:set>
+                                    <p:animEffect transition="in" filter="wipe(down)">
+                                      <p:cBhvr>
+                                        <p:cTn id="63" dur="500"/>
+                                        <p:tgtEl>
+                                          <p:spTgt spid="10"/>
+                                        </p:tgtEl>
+                                      </p:cBhvr>
+                                    </p:animEffect>
+                                  </p:childTnLst>
+                                </p:cTn>
+                              </p:par>
+                            </p:childTnLst>
+                          </p:cTn>
+                        </p:par>
+                      </p:childTnLst>
+                    </p:cTn>
+                  </p:par>
+                  <p:par>
+                    <p:cTn id="64" fill="hold">
+                      <p:stCondLst>
+                        <p:cond delay="indefinite"/>
+                      </p:stCondLst>
+                      <p:childTnLst>
+                        <p:par>
+                          <p:cTn id="65" fill="hold">
+                            <p:stCondLst>
+                              <p:cond delay="0"/>
+                            </p:stCondLst>
+                            <p:childTnLst>
+                              <p:par>
+                                <p:cTn id="66" presetID="21" presetClass="entr" presetSubtype="2" fill="hold" nodeType="clickEffect">
+                                  <p:stCondLst>
+                                    <p:cond delay="0"/>
+                                  </p:stCondLst>
+                                  <p:childTnLst>
+                                    <p:set>
+                                      <p:cBhvr>
+                                        <p:cTn id="67" dur="1" fill="hold">
+                                          <p:stCondLst>
+                                            <p:cond delay="0"/>
+                                          </p:stCondLst>
+                                        </p:cTn>
+                                        <p:tgtEl>
+                                          <p:spTgt spid="15"/>
+                                        </p:tgtEl>
+                                        <p:attrNameLst>
+                                          <p:attrName>style.visibility</p:attrName>
+                                        </p:attrNameLst>
+                                      </p:cBhvr>
+                                      <p:to>
+                                        <p:strVal val="visible"/>
+                                      </p:to>
+                                    </p:set>
+                                    <p:animEffect transition="in" filter="wheel(2)">
+                                      <p:cBhvr>
+                                        <p:cTn id="68" dur="750"/>
+                                        <p:tgtEl>
+                                          <p:spTgt spid="15"/>
+                                        </p:tgtEl>
+                                      </p:cBhvr>
+                                    </p:animEffect>
+                                  </p:childTnLst>
+                                </p:cTn>
+                              </p:par>
+                            </p:childTnLst>
+                          </p:cTn>
+                        </p:par>
+                      </p:childTnLst>
+                    </p:cTn>
+                  </p:par>
+                  <p:par>
+                    <p:cTn id="69" fill="hold">
+                      <p:stCondLst>
+                        <p:cond delay="indefinite"/>
+                      </p:stCondLst>
+                      <p:childTnLst>
+                        <p:par>
+                          <p:cTn id="70" fill="hold">
+                            <p:stCondLst>
+                              <p:cond delay="0"/>
+                            </p:stCondLst>
+                            <p:childTnLst>
+                              <p:par>
+                                <p:cTn id="71" presetID="49" presetClass="entr" presetSubtype="0" decel="100000" fill="hold" grpId="0" nodeType="clickEffect">
+                                  <p:stCondLst>
+                                    <p:cond delay="0"/>
+                                  </p:stCondLst>
+                                  <p:childTnLst>
+                                    <p:set>
+                                      <p:cBhvr>
+                                        <p:cTn id="72" dur="1" fill="hold">
+                                          <p:stCondLst>
+                                            <p:cond delay="0"/>
+                                          </p:stCondLst>
+                                        </p:cTn>
+                                        <p:tgtEl>
+                                          <p:spTgt spid="25"/>
+                                        </p:tgtEl>
+                                        <p:attrNameLst>
+                                          <p:attrName>style.visibility</p:attrName>
+                                        </p:attrNameLst>
+                                      </p:cBhvr>
+                                      <p:to>
+                                        <p:strVal val="visible"/>
+                                      </p:to>
+                                    </p:set>
+                                    <p:anim calcmode="lin" valueType="num">
+                                      <p:cBhvr>
+                                        <p:cTn id="73" dur="500" fill="hold"/>
+                                        <p:tgtEl>
+                                          <p:spTgt spid="25"/>
+                                        </p:tgtEl>
+                                        <p:attrNameLst>
+                                          <p:attrName>ppt_w</p:attrName>
+                                        </p:attrNameLst>
+                                      </p:cBhvr>
+                                      <p:tavLst>
+                                        <p:tav tm="0">
+                                          <p:val>
+                                            <p:fltVal val="0"/>
+                                          </p:val>
+                                        </p:tav>
+                                        <p:tav tm="100000">
+                                          <p:val>
+                                            <p:strVal val="#ppt_w"/>
+                                          </p:val>
+                                        </p:tav>
+                                      </p:tavLst>
+                                    </p:anim>
+                                    <p:anim calcmode="lin" valueType="num">
+                                      <p:cBhvr>
+                                        <p:cTn id="74" dur="500" fill="hold"/>
+                                        <p:tgtEl>
+                                          <p:spTgt spid="25"/>
+                                        </p:tgtEl>
+                                        <p:attrNameLst>
+                                          <p:attrName>ppt_h</p:attrName>
+                                        </p:attrNameLst>
+                                      </p:cBhvr>
+                                      <p:tavLst>
+                                        <p:tav tm="0">
+                                          <p:val>
+                                            <p:fltVal val="0"/>
+                                          </p:val>
+                                        </p:tav>
+                                        <p:tav tm="100000">
+                                          <p:val>
+                                            <p:strVal val="#ppt_h"/>
+                                          </p:val>
+                                        </p:tav>
+                                      </p:tavLst>
+                                    </p:anim>
+                                    <p:anim calcmode="lin" valueType="num">
+                                      <p:cBhvr>
+                                        <p:cTn id="75" dur="500" fill="hold"/>
+                                        <p:tgtEl>
+                                          <p:spTgt spid="25"/>
+                                        </p:tgtEl>
+                                        <p:attrNameLst>
+                                          <p:attrName>style.rotation</p:attrName>
+                                        </p:attrNameLst>
+                                      </p:cBhvr>
+                                      <p:tavLst>
+                                        <p:tav tm="0">
+                                          <p:val>
+                                            <p:fltVal val="360"/>
+                                          </p:val>
+                                        </p:tav>
+                                        <p:tav tm="100000">
+                                          <p:val>
+                                            <p:fltVal val="0"/>
+                                          </p:val>
+                                        </p:tav>
+                                      </p:tavLst>
+                                    </p:anim>
+                                    <p:animEffect transition="in" filter="fade">
+                                      <p:cBhvr>
+                                        <p:cTn id="76" dur="500"/>
+                                        <p:tgtEl>
+                                          <p:spTgt spid="25"/>
+                                        </p:tgtEl>
+                                      </p:cBhvr>
+                                    </p:animEffect>
+                                  </p:childTnLst>
+                                </p:cTn>
+                              </p:par>
+                              <p:par>
+                                <p:cTn id="77" presetID="49" presetClass="entr" presetSubtype="0" decel="100000" fill="hold" nodeType="withEffect">
+                                  <p:stCondLst>
+                                    <p:cond delay="0"/>
+                                  </p:stCondLst>
+                                  <p:childTnLst>
+                                    <p:set>
+                                      <p:cBhvr>
+                                        <p:cTn id="78" dur="1" fill="hold">
+                                          <p:stCondLst>
+                                            <p:cond delay="0"/>
+                                          </p:stCondLst>
+                                        </p:cTn>
+                                        <p:tgtEl>
+                                          <p:spTgt spid="24"/>
+                                        </p:tgtEl>
+                                        <p:attrNameLst>
+                                          <p:attrName>style.visibility</p:attrName>
+                                        </p:attrNameLst>
+                                      </p:cBhvr>
+                                      <p:to>
+                                        <p:strVal val="visible"/>
+                                      </p:to>
+                                    </p:set>
+                                    <p:anim calcmode="lin" valueType="num">
+                                      <p:cBhvr>
+                                        <p:cTn id="79" dur="500" fill="hold"/>
+                                        <p:tgtEl>
+                                          <p:spTgt spid="24"/>
+                                        </p:tgtEl>
+                                        <p:attrNameLst>
+                                          <p:attrName>ppt_w</p:attrName>
+                                        </p:attrNameLst>
+                                      </p:cBhvr>
+                                      <p:tavLst>
+                                        <p:tav tm="0">
+                                          <p:val>
+                                            <p:fltVal val="0"/>
+                                          </p:val>
+                                        </p:tav>
+                                        <p:tav tm="100000">
+                                          <p:val>
+                                            <p:strVal val="#ppt_w"/>
+                                          </p:val>
+                                        </p:tav>
+                                      </p:tavLst>
+                                    </p:anim>
+                                    <p:anim calcmode="lin" valueType="num">
+                                      <p:cBhvr>
+                                        <p:cTn id="80" dur="500" fill="hold"/>
+                                        <p:tgtEl>
+                                          <p:spTgt spid="24"/>
+                                        </p:tgtEl>
+                                        <p:attrNameLst>
+                                          <p:attrName>ppt_h</p:attrName>
+                                        </p:attrNameLst>
+                                      </p:cBhvr>
+                                      <p:tavLst>
+                                        <p:tav tm="0">
+                                          <p:val>
+                                            <p:fltVal val="0"/>
+                                          </p:val>
+                                        </p:tav>
+                                        <p:tav tm="100000">
+                                          <p:val>
+                                            <p:strVal val="#ppt_h"/>
+                                          </p:val>
+                                        </p:tav>
+                                      </p:tavLst>
+                                    </p:anim>
+                                    <p:anim calcmode="lin" valueType="num">
+                                      <p:cBhvr>
+                                        <p:cTn id="81" dur="500" fill="hold"/>
+                                        <p:tgtEl>
+                                          <p:spTgt spid="24"/>
+                                        </p:tgtEl>
+                                        <p:attrNameLst>
+                                          <p:attrName>style.rotation</p:attrName>
+                                        </p:attrNameLst>
+                                      </p:cBhvr>
+                                      <p:tavLst>
+                                        <p:tav tm="0">
+                                          <p:val>
+                                            <p:fltVal val="360"/>
+                                          </p:val>
+                                        </p:tav>
+                                        <p:tav tm="100000">
+                                          <p:val>
+                                            <p:fltVal val="0"/>
+                                          </p:val>
+                                        </p:tav>
+                                      </p:tavLst>
+                                    </p:anim>
+                                    <p:animEffect transition="in" filter="fade">
+                                      <p:cBhvr>
+                                        <p:cTn id="82" dur="500"/>
+                                        <p:tgtEl>
+                                          <p:spTgt spid="24"/>
+                                        </p:tgtEl>
+                                      </p:cBhvr>
+                                    </p:animEffect>
+                                  </p:childTnLst>
+                                </p:cTn>
+                              </p:par>
+                              <p:par>
+                                <p:cTn id="83" presetID="21" presetClass="entr" presetSubtype="2" fill="hold" grpId="0" nodeType="withEffect">
+                                  <p:stCondLst>
+                                    <p:cond delay="0"/>
+                                  </p:stCondLst>
+                                  <p:childTnLst>
+                                    <p:set>
+                                      <p:cBhvr>
+                                        <p:cTn id="84" dur="1" fill="hold">
+                                          <p:stCondLst>
+                                            <p:cond delay="0"/>
+                                          </p:stCondLst>
+                                        </p:cTn>
+                                        <p:tgtEl>
+                                          <p:spTgt spid="16"/>
+                                        </p:tgtEl>
+                                        <p:attrNameLst>
+                                          <p:attrName>style.visibility</p:attrName>
+                                        </p:attrNameLst>
+                                      </p:cBhvr>
+                                      <p:to>
+                                        <p:strVal val="visible"/>
+                                      </p:to>
+                                    </p:set>
+                                    <p:animEffect transition="in" filter="wheel(2)">
+                                      <p:cBhvr>
+                                        <p:cTn id="85" dur="750"/>
+                                        <p:tgtEl>
+                                          <p:spTgt spid="16"/>
+                                        </p:tgtEl>
+                                      </p:cBhvr>
+                                    </p:animEffect>
+                                  </p:childTnLst>
+                                </p:cTn>
+                              </p:par>
+                            </p:childTnLst>
+                          </p:cTn>
+                        </p:par>
+                      </p:childTnLst>
+                    </p:cTn>
+                  </p:par>
+                  <p:par>
+                    <p:cTn id="86" fill="hold">
+                      <p:stCondLst>
+                        <p:cond delay="indefinite"/>
+                      </p:stCondLst>
+                      <p:childTnLst>
+                        <p:par>
+                          <p:cTn id="87" fill="hold">
+                            <p:stCondLst>
+                              <p:cond delay="0"/>
+                            </p:stCondLst>
+                            <p:childTnLst>
+                              <p:par>
+                                <p:cTn id="88" presetID="45" presetClass="entr" presetSubtype="0" fill="hold" grpId="0" nodeType="clickEffect">
+                                  <p:stCondLst>
+                                    <p:cond delay="0"/>
+                                  </p:stCondLst>
+                                  <p:childTnLst>
+                                    <p:set>
+                                      <p:cBhvr>
+                                        <p:cTn id="89" dur="1" fill="hold">
+                                          <p:stCondLst>
+                                            <p:cond delay="0"/>
+                                          </p:stCondLst>
+                                        </p:cTn>
+                                        <p:tgtEl>
+                                          <p:spTgt spid="28"/>
+                                        </p:tgtEl>
+                                        <p:attrNameLst>
+                                          <p:attrName>style.visibility</p:attrName>
+                                        </p:attrNameLst>
+                                      </p:cBhvr>
+                                      <p:to>
+                                        <p:strVal val="visible"/>
+                                      </p:to>
+                                    </p:set>
+                                    <p:animEffect transition="in" filter="fade">
+                                      <p:cBhvr>
+                                        <p:cTn id="90" dur="1000"/>
+                                        <p:tgtEl>
+                                          <p:spTgt spid="28"/>
+                                        </p:tgtEl>
+                                      </p:cBhvr>
+                                    </p:animEffect>
+                                    <p:anim calcmode="lin" valueType="num">
+                                      <p:cBhvr>
+                                        <p:cTn id="91" dur="1000" fill="hold"/>
+                                        <p:tgtEl>
+                                          <p:spTgt spid="28"/>
+                                        </p:tgtEl>
+                                        <p:attrNameLst>
+                                          <p:attrName>ppt_w</p:attrName>
+                                        </p:attrNameLst>
+                                      </p:cBhvr>
+                                      <p:tavLst>
+                                        <p:tav tm="0" fmla="#ppt_w*sin(2.5*pi*$)">
+                                          <p:val>
+                                            <p:fltVal val="0"/>
+                                          </p:val>
+                                        </p:tav>
+                                        <p:tav tm="100000">
+                                          <p:val>
+                                            <p:fltVal val="1"/>
+                                          </p:val>
+                                        </p:tav>
+                                      </p:tavLst>
+                                    </p:anim>
+                                    <p:anim calcmode="lin" valueType="num">
+                                      <p:cBhvr>
+                                        <p:cTn id="92" dur="1000" fill="hold"/>
+                                        <p:tgtEl>
+                                          <p:spTgt spid="28"/>
+                                        </p:tgtEl>
+                                        <p:attrNameLst>
+                                          <p:attrName>ppt_h</p:attrName>
+                                        </p:attrNameLst>
+                                      </p:cBhvr>
+                                      <p:tavLst>
+                                        <p:tav tm="0">
+                                          <p:val>
+                                            <p:strVal val="#ppt_h"/>
+                                          </p:val>
+                                        </p:tav>
+                                        <p:tav tm="100000">
+                                          <p:val>
+                                            <p:strVal val="#ppt_h"/>
+                                          </p:val>
+                                        </p:tav>
+                                      </p:tavLst>
+                                    </p:anim>
+                                  </p:childTnLst>
+                                </p:cTn>
+                              </p:par>
+                              <p:par>
+                                <p:cTn id="93" presetID="45" presetClass="entr" presetSubtype="0" fill="hold" nodeType="withEffect">
+                                  <p:stCondLst>
+                                    <p:cond delay="0"/>
+                                  </p:stCondLst>
+                                  <p:childTnLst>
+                                    <p:set>
+                                      <p:cBhvr>
+                                        <p:cTn id="94" dur="1" fill="hold">
+                                          <p:stCondLst>
+                                            <p:cond delay="0"/>
+                                          </p:stCondLst>
+                                        </p:cTn>
+                                        <p:tgtEl>
+                                          <p:spTgt spid="27"/>
+                                        </p:tgtEl>
+                                        <p:attrNameLst>
+                                          <p:attrName>style.visibility</p:attrName>
+                                        </p:attrNameLst>
+                                      </p:cBhvr>
+                                      <p:to>
+                                        <p:strVal val="visible"/>
+                                      </p:to>
+                                    </p:set>
+                                    <p:animEffect transition="in" filter="fade">
+                                      <p:cBhvr>
+                                        <p:cTn id="95" dur="1000"/>
+                                        <p:tgtEl>
+                                          <p:spTgt spid="27"/>
+                                        </p:tgtEl>
+                                      </p:cBhvr>
+                                    </p:animEffect>
+                                    <p:anim calcmode="lin" valueType="num">
+                                      <p:cBhvr>
+                                        <p:cTn id="96" dur="1000" fill="hold"/>
+                                        <p:tgtEl>
+                                          <p:spTgt spid="27"/>
+                                        </p:tgtEl>
+                                        <p:attrNameLst>
+                                          <p:attrName>ppt_w</p:attrName>
+                                        </p:attrNameLst>
+                                      </p:cBhvr>
+                                      <p:tavLst>
+                                        <p:tav tm="0" fmla="#ppt_w*sin(2.5*pi*$)">
+                                          <p:val>
+                                            <p:fltVal val="0"/>
+                                          </p:val>
+                                        </p:tav>
+                                        <p:tav tm="100000">
+                                          <p:val>
+                                            <p:fltVal val="1"/>
+                                          </p:val>
+                                        </p:tav>
+                                      </p:tavLst>
+                                    </p:anim>
+                                    <p:anim calcmode="lin" valueType="num">
+                                      <p:cBhvr>
+                                        <p:cTn id="97" dur="1000" fill="hold"/>
+                                        <p:tgtEl>
+                                          <p:spTgt spid="27"/>
+                                        </p:tgtEl>
+                                        <p:attrNameLst>
+                                          <p:attrName>ppt_h</p:attrName>
+                                        </p:attrNameLst>
+                                      </p:cBhvr>
+                                      <p:tavLst>
+                                        <p:tav tm="0">
+                                          <p:val>
+                                            <p:strVal val="#ppt_h"/>
+                                          </p:val>
+                                        </p:tav>
+                                        <p:tav tm="100000">
+                                          <p:val>
+                                            <p:strVal val="#ppt_h"/>
+                                          </p:val>
+                                        </p:tav>
+                                      </p:tavLst>
+                                    </p:anim>
+                                  </p:childTnLst>
+                                </p:cTn>
+                              </p:par>
+                            </p:childTnLst>
+                          </p:cTn>
+                        </p:par>
+                      </p:childTnLst>
+                    </p:cTn>
+                  </p:par>
+                </p:childTnLst>
+              </p:cTn>
+              <p:prevCondLst>
+                <p:cond evt="onPrev" delay="0">
+                  <p:tgtEl>
+                    <p:sldTgt/>
+                  </p:tgtEl>
+                </p:cond>
+              </p:prevCondLst>
+              <p:nextCondLst>
+                <p:cond evt="onNext" delay="0">
+                  <p:tgtEl>
+                    <p:sldTgt/>
+                  </p:tgtEl>
+                </p:cond>
+              </p:nextCondLst>
+            </p:seq>
+          </p:childTnLst>
+        </p:cTn>
+      </p:par>
+    </p:tnLst>
+    <p:bldLst>
+      <p:bldP spid="2" grpId="0"/>
+      <p:bldP spid="9" grpId="0"/>
+      <p:bldP spid="10" grpId="0"/>
+      <p:bldP spid="13" grpId="0"/>
+      <p:bldP spid="16" grpId="0"/>
+      <p:bldP spid="17" grpId="0"/>
+      <p:bldP spid="18" grpId="0"/>
+      <p:bldP spid="22" grpId="0"/>
+      <p:bldP spid="25" grpId="0"/>
+      <p:bldP spid="28" grpId="0"/>
+      <p:bldP spid="31" grpId="0"/>
+    </p:bldLst>
+  </p:timing>
+</p:sld>
+</file>
+
+<file path=ppt/slides/slide15.xml><?xml version="1.0" encoding="utf-8"?>
+<p:sld xmlns:a="http://schemas.openxmlformats.org/drawingml/2006/main" xmlns:r="http://schemas.openxmlformats.org/officeDocument/2006/relationships" xmlns:p="http://schemas.openxmlformats.org/presentationml/2006/main">
+  <p:cSld>
+    <p:spTree>
+      <p:nvGrpSpPr>
+        <p:cNvPr id="1" name=""/>
+        <p:cNvGrpSpPr/>
+        <p:nvPr/>
+      </p:nvGrpSpPr>
+      <p:grpSpPr>
+        <a:xfrm>
+          <a:off x="0" y="0"/>
+          <a:ext cx="0" cy="0"/>
+          <a:chOff x="0" y="0"/>
+          <a:chExt cx="0" cy="0"/>
+        </a:xfrm>
+      </p:grpSpPr>
+      <p:sp>
+        <p:nvSpPr>
+          <p:cNvPr id="2" name="Title 1">
+            <a:extLst>
+              <a:ext uri="{FF2B5EF4-FFF2-40B4-BE49-F238E27FC236}">
+                <a16:creationId xmlns:a16="http://schemas.microsoft.com/office/drawing/2014/main" id="{5D198E53-BD51-475E-B73F-D4846E60CB79}"/>
+              </a:ext>
+            </a:extLst>
+          </p:cNvPr>
+          <p:cNvSpPr>
+            <a:spLocks noGrp="1"/>
+          </p:cNvSpPr>
+          <p:nvPr>
+            <p:ph type="title"/>
+          </p:nvPr>
+        </p:nvSpPr>
+        <p:spPr>
+          <a:xfrm>
+            <a:off x="1007533" y="0"/>
+            <a:ext cx="10303934" cy="5029200"/>
+          </a:xfrm>
+        </p:spPr>
+        <p:txBody>
+          <a:bodyPr>
+            <a:normAutofit/>
+          </a:bodyPr>
+          <a:lstStyle/>
+          <a:p>
+            <a:pPr algn="ctr"/>
+            <a:r>
+              <a:rPr lang="en-US" sz="8000" cap="all" dirty="0"/>
+              <a:t>JAVASCRIPT IS NOT scary. Use JavaScript in youR projects</a:t>
+            </a:r>
+          </a:p>
+        </p:txBody>
+      </p:sp>
+      <p:sp>
+        <p:nvSpPr>
+          <p:cNvPr id="3" name="TextBox 2">
+            <a:extLst>
+              <a:ext uri="{FF2B5EF4-FFF2-40B4-BE49-F238E27FC236}">
+                <a16:creationId xmlns:a16="http://schemas.microsoft.com/office/drawing/2014/main" id="{621E05BE-882F-4CAC-9345-E72A86D784BC}"/>
+              </a:ext>
+            </a:extLst>
+          </p:cNvPr>
+          <p:cNvSpPr txBox="1"/>
+          <p:nvPr/>
+        </p:nvSpPr>
+        <p:spPr>
+          <a:xfrm>
+            <a:off x="3318933" y="5249333"/>
+            <a:ext cx="5816600" cy="369332"/>
+          </a:xfrm>
+          <a:prstGeom prst="rect">
+            <a:avLst/>
+          </a:prstGeom>
+          <a:noFill/>
+        </p:spPr>
+        <p:txBody>
+          <a:bodyPr wrap="square" rtlCol="0">
+            <a:spAutoFit/>
+          </a:bodyPr>
+          <a:lstStyle/>
+          <a:p>
+            <a:r>
+              <a:rPr lang="en-US" dirty="0"/>
+              <a:t>Personal and school (why not?)</a:t>
+            </a:r>
+          </a:p>
+        </p:txBody>
+      </p:sp>
+      <p:pic>
+        <p:nvPicPr>
+          <p:cNvPr id="5" name="Picture 4" descr="A close up of a person&#10;&#10;Description automatically generated">
+            <a:extLst>
+              <a:ext uri="{FF2B5EF4-FFF2-40B4-BE49-F238E27FC236}">
+                <a16:creationId xmlns:a16="http://schemas.microsoft.com/office/drawing/2014/main" id="{DE33C843-047F-4161-BD46-184EE19CCC36}"/>
+              </a:ext>
+            </a:extLst>
+          </p:cNvPr>
+          <p:cNvPicPr>
+            <a:picLocks noChangeAspect="1"/>
+          </p:cNvPicPr>
+          <p:nvPr/>
+        </p:nvPicPr>
+        <p:blipFill>
+          <a:blip r:embed="rId2">
+            <a:extLst>
+              <a:ext uri="{28A0092B-C50C-407E-A947-70E740481C1C}">
+                <a14:useLocalDpi xmlns:a14="http://schemas.microsoft.com/office/drawing/2010/main" val="0"/>
+              </a:ext>
+            </a:extLst>
+          </a:blip>
+          <a:stretch>
+            <a:fillRect/>
+          </a:stretch>
+        </p:blipFill>
+        <p:spPr>
+          <a:xfrm>
+            <a:off x="7679266" y="4401065"/>
+            <a:ext cx="3048000" cy="2286000"/>
+          </a:xfrm>
+          <a:prstGeom prst="rect">
+            <a:avLst/>
+          </a:prstGeom>
+        </p:spPr>
+      </p:pic>
+    </p:spTree>
+    <p:extLst>
+      <p:ext uri="{BB962C8B-B14F-4D97-AF65-F5344CB8AC3E}">
+        <p14:creationId xmlns:p14="http://schemas.microsoft.com/office/powerpoint/2010/main" val="2945297582"/>
+      </p:ext>
+    </p:extLst>
+  </p:cSld>
+  <p:clrMapOvr>
+    <a:masterClrMapping/>
+  </p:clrMapOvr>
+  <mc:AlternateContent xmlns:mc="http://schemas.openxmlformats.org/markup-compatibility/2006" xmlns:p14="http://schemas.microsoft.com/office/powerpoint/2010/main">
+    <mc:Choice Requires="p14">
+      <p:transition spd="med" p14:dur="700">
+        <p:fade/>
+      </p:transition>
+    </mc:Choice>
+    <mc:Fallback xmlns="">
+      <p:transition spd="med">
+        <p:fade/>
+      </p:transition>
+    </mc:Fallback>
+  </mc:AlternateContent>
+  <p:timing>
+    <p:tnLst>
+      <p:par>
+        <p:cTn id="1" dur="indefinite" restart="never" nodeType="tmRoot">
+          <p:childTnLst>
+            <p:seq concurrent="1" nextAc="seek">
+              <p:cTn id="2" dur="indefinite" nodeType="mainSeq">
+                <p:childTnLst>
+                  <p:par>
+                    <p:cTn id="3" fill="hold">
+                      <p:stCondLst>
+                        <p:cond delay="indefinite"/>
+                      </p:stCondLst>
+                      <p:childTnLst>
+                        <p:par>
+                          <p:cTn id="4" fill="hold">
+                            <p:stCondLst>
+                              <p:cond delay="0"/>
+                            </p:stCondLst>
+                            <p:childTnLst>
+                              <p:par>
+                                <p:cTn id="5" presetID="10" presetClass="entr" presetSubtype="0" fill="hold" nodeType="clickEffect">
+                                  <p:stCondLst>
+                                    <p:cond delay="0"/>
+                                  </p:stCondLst>
+                                  <p:childTnLst>
+                                    <p:set>
+                                      <p:cBhvr>
+                                        <p:cTn id="6" dur="1" fill="hold">
+                                          <p:stCondLst>
+                                            <p:cond delay="0"/>
+                                          </p:stCondLst>
+                                        </p:cTn>
+                                        <p:tgtEl>
+                                          <p:spTgt spid="5"/>
+                                        </p:tgtEl>
+                                        <p:attrNameLst>
+                                          <p:attrName>style.visibility</p:attrName>
+                                        </p:attrNameLst>
+                                      </p:cBhvr>
+                                      <p:to>
+                                        <p:strVal val="visible"/>
+                                      </p:to>
+                                    </p:set>
+                                    <p:animEffect transition="in" filter="fade">
+                                      <p:cBhvr>
+                                        <p:cTn id="7" dur="500"/>
+                                        <p:tgtEl>
+                                          <p:spTgt spid="5"/>
+                                        </p:tgtEl>
+                                      </p:cBhvr>
+                                    </p:animEffect>
+                                  </p:childTnLst>
+                                </p:cTn>
+                              </p:par>
+                            </p:childTnLst>
+                          </p:cTn>
+                        </p:par>
+                      </p:childTnLst>
+                    </p:cTn>
+                  </p:par>
+                </p:childTnLst>
+              </p:cTn>
+              <p:prevCondLst>
+                <p:cond evt="onPrev" delay="0">
+                  <p:tgtEl>
+                    <p:sldTgt/>
+                  </p:tgtEl>
+                </p:cond>
+              </p:prevCondLst>
+              <p:nextCondLst>
+                <p:cond evt="onNext" delay="0">
+                  <p:tgtEl>
+                    <p:sldTgt/>
+                  </p:tgtEl>
+                </p:cond>
+              </p:nextCondLst>
+            </p:seq>
+          </p:childTnLst>
+        </p:cTn>
+      </p:par>
+    </p:tnLst>
+  </p:timing>
 </p:sld>
 </file>
 
@@ -7337,6 +8900,18 @@
   <p:clrMapOvr>
     <a:masterClrMapping/>
   </p:clrMapOvr>
+  <mc:AlternateContent xmlns:mc="http://schemas.openxmlformats.org/markup-compatibility/2006" xmlns:p14="http://schemas.microsoft.com/office/powerpoint/2010/main">
+    <mc:Choice Requires="p14">
+      <p:transition spd="med" p14:dur="700">
+        <p:fade/>
+      </p:transition>
+    </mc:Choice>
+    <mc:Fallback xmlns="">
+      <p:transition spd="med">
+        <p:fade/>
+      </p:transition>
+    </mc:Fallback>
+  </mc:AlternateContent>
 </p:sld>
 </file>
 
@@ -7473,6 +9048,18 @@
   <p:clrMapOvr>
     <a:masterClrMapping/>
   </p:clrMapOvr>
+  <mc:AlternateContent xmlns:mc="http://schemas.openxmlformats.org/markup-compatibility/2006" xmlns:p14="http://schemas.microsoft.com/office/powerpoint/2010/main">
+    <mc:Choice Requires="p14">
+      <p:transition spd="med" p14:dur="700">
+        <p:fade/>
+      </p:transition>
+    </mc:Choice>
+    <mc:Fallback xmlns="">
+      <p:transition spd="med">
+        <p:fade/>
+      </p:transition>
+    </mc:Fallback>
+  </mc:AlternateContent>
 </p:sld>
 </file>
 
@@ -7611,6 +9198,186 @@
   <p:clrMapOvr>
     <a:masterClrMapping/>
   </p:clrMapOvr>
+  <mc:AlternateContent xmlns:mc="http://schemas.openxmlformats.org/markup-compatibility/2006" xmlns:p14="http://schemas.microsoft.com/office/powerpoint/2010/main">
+    <mc:Choice Requires="p14">
+      <p:transition spd="med" p14:dur="700">
+        <p:fade/>
+      </p:transition>
+    </mc:Choice>
+    <mc:Fallback xmlns="">
+      <p:transition spd="med">
+        <p:fade/>
+      </p:transition>
+    </mc:Fallback>
+  </mc:AlternateContent>
+  <p:timing>
+    <p:tnLst>
+      <p:par>
+        <p:cTn id="1" dur="indefinite" restart="never" nodeType="tmRoot">
+          <p:childTnLst>
+            <p:seq concurrent="1" nextAc="seek">
+              <p:cTn id="2" dur="indefinite" nodeType="mainSeq">
+                <p:childTnLst>
+                  <p:par>
+                    <p:cTn id="3" fill="hold">
+                      <p:stCondLst>
+                        <p:cond delay="indefinite"/>
+                        <p:cond evt="onBegin" delay="0">
+                          <p:tn val="2"/>
+                        </p:cond>
+                      </p:stCondLst>
+                      <p:childTnLst>
+                        <p:par>
+                          <p:cTn id="4" fill="hold">
+                            <p:stCondLst>
+                              <p:cond delay="0"/>
+                            </p:stCondLst>
+                            <p:childTnLst>
+                              <p:par>
+                                <p:cTn id="5" presetID="10" presetClass="entr" presetSubtype="0" fill="hold" grpId="0" nodeType="withEffect">
+                                  <p:stCondLst>
+                                    <p:cond delay="0"/>
+                                  </p:stCondLst>
+                                  <p:childTnLst>
+                                    <p:set>
+                                      <p:cBhvr>
+                                        <p:cTn id="6" dur="1" fill="hold">
+                                          <p:stCondLst>
+                                            <p:cond delay="0"/>
+                                          </p:stCondLst>
+                                        </p:cTn>
+                                        <p:tgtEl>
+                                          <p:spTgt spid="2"/>
+                                        </p:tgtEl>
+                                        <p:attrNameLst>
+                                          <p:attrName>style.visibility</p:attrName>
+                                        </p:attrNameLst>
+                                      </p:cBhvr>
+                                      <p:to>
+                                        <p:strVal val="visible"/>
+                                      </p:to>
+                                    </p:set>
+                                    <p:animEffect transition="in" filter="fade">
+                                      <p:cBhvr>
+                                        <p:cTn id="7" dur="500"/>
+                                        <p:tgtEl>
+                                          <p:spTgt spid="2"/>
+                                        </p:tgtEl>
+                                      </p:cBhvr>
+                                    </p:animEffect>
+                                  </p:childTnLst>
+                                </p:cTn>
+                              </p:par>
+                              <p:par>
+                                <p:cTn id="8" presetID="22" presetClass="entr" presetSubtype="1" fill="hold" nodeType="withEffect">
+                                  <p:stCondLst>
+                                    <p:cond delay="500"/>
+                                  </p:stCondLst>
+                                  <p:childTnLst>
+                                    <p:set>
+                                      <p:cBhvr>
+                                        <p:cTn id="9" dur="1" fill="hold">
+                                          <p:stCondLst>
+                                            <p:cond delay="0"/>
+                                          </p:stCondLst>
+                                        </p:cTn>
+                                        <p:tgtEl>
+                                          <p:spTgt spid="5"/>
+                                        </p:tgtEl>
+                                        <p:attrNameLst>
+                                          <p:attrName>style.visibility</p:attrName>
+                                        </p:attrNameLst>
+                                      </p:cBhvr>
+                                      <p:to>
+                                        <p:strVal val="visible"/>
+                                      </p:to>
+                                    </p:set>
+                                    <p:animEffect transition="in" filter="wipe(up)">
+                                      <p:cBhvr>
+                                        <p:cTn id="10" dur="500"/>
+                                        <p:tgtEl>
+                                          <p:spTgt spid="5"/>
+                                        </p:tgtEl>
+                                      </p:cBhvr>
+                                    </p:animEffect>
+                                  </p:childTnLst>
+                                </p:cTn>
+                              </p:par>
+                              <p:par>
+                                <p:cTn id="11" presetID="10" presetClass="entr" presetSubtype="0" fill="hold" grpId="0" nodeType="withEffect">
+                                  <p:stCondLst>
+                                    <p:cond delay="500"/>
+                                  </p:stCondLst>
+                                  <p:childTnLst>
+                                    <p:set>
+                                      <p:cBhvr>
+                                        <p:cTn id="12" dur="1" fill="hold">
+                                          <p:stCondLst>
+                                            <p:cond delay="0"/>
+                                          </p:stCondLst>
+                                        </p:cTn>
+                                        <p:tgtEl>
+                                          <p:spTgt spid="3">
+                                            <p:txEl>
+                                              <p:pRg st="0" end="0"/>
+                                            </p:txEl>
+                                          </p:spTgt>
+                                        </p:tgtEl>
+                                        <p:attrNameLst>
+                                          <p:attrName>style.visibility</p:attrName>
+                                        </p:attrNameLst>
+                                      </p:cBhvr>
+                                      <p:to>
+                                        <p:strVal val="visible"/>
+                                      </p:to>
+                                    </p:set>
+                                    <p:animEffect transition="in" filter="fade">
+                                      <p:cBhvr>
+                                        <p:cTn id="13" dur="500"/>
+                                        <p:tgtEl>
+                                          <p:spTgt spid="3">
+                                            <p:txEl>
+                                              <p:pRg st="0" end="0"/>
+                                            </p:txEl>
+                                          </p:spTgt>
+                                        </p:tgtEl>
+                                      </p:cBhvr>
+                                    </p:animEffect>
+                                  </p:childTnLst>
+                                </p:cTn>
+                              </p:par>
+                            </p:childTnLst>
+                          </p:cTn>
+                        </p:par>
+                      </p:childTnLst>
+                    </p:cTn>
+                  </p:par>
+                </p:childTnLst>
+              </p:cTn>
+              <p:prevCondLst>
+                <p:cond evt="onPrev" delay="0">
+                  <p:tgtEl>
+                    <p:sldTgt/>
+                  </p:tgtEl>
+                </p:cond>
+              </p:prevCondLst>
+              <p:nextCondLst>
+                <p:cond evt="onNext" delay="0">
+                  <p:tgtEl>
+                    <p:sldTgt/>
+                  </p:tgtEl>
+                </p:cond>
+              </p:nextCondLst>
+            </p:seq>
+          </p:childTnLst>
+        </p:cTn>
+      </p:par>
+    </p:tnLst>
+    <p:bldLst>
+      <p:bldP spid="2" grpId="0"/>
+      <p:bldP spid="3" grpId="0" build="p"/>
+    </p:bldLst>
+  </p:timing>
 </p:sld>
 </file>
 
@@ -7796,7 +9563,7 @@
         </p:nvSpPr>
         <p:spPr>
           <a:xfrm>
-            <a:off x="1178829" y="4011359"/>
+            <a:off x="6637385" y="3847211"/>
             <a:ext cx="4426107" cy="954107"/>
           </a:xfrm>
           <a:prstGeom prst="rect">
@@ -7845,7 +9612,7 @@
         </p:nvSpPr>
         <p:spPr>
           <a:xfrm>
-            <a:off x="6587066" y="4011358"/>
+            <a:off x="1167617" y="3892824"/>
             <a:ext cx="4928382" cy="954107"/>
           </a:xfrm>
           <a:prstGeom prst="rect">
@@ -7890,6 +9657,367 @@
   <p:clrMapOvr>
     <a:masterClrMapping/>
   </p:clrMapOvr>
+  <mc:AlternateContent xmlns:mc="http://schemas.openxmlformats.org/markup-compatibility/2006" xmlns:p14="http://schemas.microsoft.com/office/powerpoint/2010/main">
+    <mc:Choice Requires="p14">
+      <p:transition spd="med" p14:dur="700">
+        <p:fade/>
+      </p:transition>
+    </mc:Choice>
+    <mc:Fallback xmlns="">
+      <p:transition spd="med">
+        <p:fade/>
+      </p:transition>
+    </mc:Fallback>
+  </mc:AlternateContent>
+  <p:timing>
+    <p:tnLst>
+      <p:par>
+        <p:cTn id="1" dur="indefinite" restart="never" nodeType="tmRoot">
+          <p:childTnLst>
+            <p:seq concurrent="1" nextAc="seek">
+              <p:cTn id="2" dur="indefinite" nodeType="mainSeq">
+                <p:childTnLst>
+                  <p:par>
+                    <p:cTn id="3" fill="hold">
+                      <p:stCondLst>
+                        <p:cond delay="indefinite"/>
+                        <p:cond evt="onBegin" delay="0">
+                          <p:tn val="2"/>
+                        </p:cond>
+                      </p:stCondLst>
+                      <p:childTnLst>
+                        <p:par>
+                          <p:cTn id="4" fill="hold">
+                            <p:stCondLst>
+                              <p:cond delay="0"/>
+                            </p:stCondLst>
+                            <p:childTnLst>
+                              <p:par>
+                                <p:cTn id="5" presetID="10" presetClass="entr" presetSubtype="0" fill="hold" grpId="0" nodeType="withEffect">
+                                  <p:stCondLst>
+                                    <p:cond delay="0"/>
+                                  </p:stCondLst>
+                                  <p:childTnLst>
+                                    <p:set>
+                                      <p:cBhvr>
+                                        <p:cTn id="6" dur="1" fill="hold">
+                                          <p:stCondLst>
+                                            <p:cond delay="0"/>
+                                          </p:stCondLst>
+                                        </p:cTn>
+                                        <p:tgtEl>
+                                          <p:spTgt spid="2"/>
+                                        </p:tgtEl>
+                                        <p:attrNameLst>
+                                          <p:attrName>style.visibility</p:attrName>
+                                        </p:attrNameLst>
+                                      </p:cBhvr>
+                                      <p:to>
+                                        <p:strVal val="visible"/>
+                                      </p:to>
+                                    </p:set>
+                                    <p:animEffect transition="in" filter="fade">
+                                      <p:cBhvr>
+                                        <p:cTn id="7" dur="500"/>
+                                        <p:tgtEl>
+                                          <p:spTgt spid="2"/>
+                                        </p:tgtEl>
+                                      </p:cBhvr>
+                                    </p:animEffect>
+                                  </p:childTnLst>
+                                </p:cTn>
+                              </p:par>
+                            </p:childTnLst>
+                          </p:cTn>
+                        </p:par>
+                      </p:childTnLst>
+                    </p:cTn>
+                  </p:par>
+                  <p:par>
+                    <p:cTn id="8" fill="hold">
+                      <p:stCondLst>
+                        <p:cond delay="indefinite"/>
+                      </p:stCondLst>
+                      <p:childTnLst>
+                        <p:par>
+                          <p:cTn id="9" fill="hold">
+                            <p:stCondLst>
+                              <p:cond delay="0"/>
+                            </p:stCondLst>
+                            <p:childTnLst>
+                              <p:par>
+                                <p:cTn id="10" presetID="10" presetClass="entr" presetSubtype="0" fill="hold" nodeType="clickEffect">
+                                  <p:stCondLst>
+                                    <p:cond delay="0"/>
+                                  </p:stCondLst>
+                                  <p:childTnLst>
+                                    <p:set>
+                                      <p:cBhvr>
+                                        <p:cTn id="11" dur="1" fill="hold">
+                                          <p:stCondLst>
+                                            <p:cond delay="0"/>
+                                          </p:stCondLst>
+                                        </p:cTn>
+                                        <p:tgtEl>
+                                          <p:spTgt spid="8"/>
+                                        </p:tgtEl>
+                                        <p:attrNameLst>
+                                          <p:attrName>style.visibility</p:attrName>
+                                        </p:attrNameLst>
+                                      </p:cBhvr>
+                                      <p:to>
+                                        <p:strVal val="visible"/>
+                                      </p:to>
+                                    </p:set>
+                                    <p:animEffect transition="in" filter="fade">
+                                      <p:cBhvr>
+                                        <p:cTn id="12" dur="500"/>
+                                        <p:tgtEl>
+                                          <p:spTgt spid="8"/>
+                                        </p:tgtEl>
+                                      </p:cBhvr>
+                                    </p:animEffect>
+                                  </p:childTnLst>
+                                </p:cTn>
+                              </p:par>
+                            </p:childTnLst>
+                          </p:cTn>
+                        </p:par>
+                      </p:childTnLst>
+                    </p:cTn>
+                  </p:par>
+                  <p:par>
+                    <p:cTn id="13" fill="hold">
+                      <p:stCondLst>
+                        <p:cond delay="indefinite"/>
+                      </p:stCondLst>
+                      <p:childTnLst>
+                        <p:par>
+                          <p:cTn id="14" fill="hold">
+                            <p:stCondLst>
+                              <p:cond delay="0"/>
+                            </p:stCondLst>
+                            <p:childTnLst>
+                              <p:par>
+                                <p:cTn id="15" presetID="1" presetClass="entr" presetSubtype="0" fill="hold" grpId="0" nodeType="clickEffect">
+                                  <p:stCondLst>
+                                    <p:cond delay="0"/>
+                                  </p:stCondLst>
+                                  <p:childTnLst>
+                                    <p:set>
+                                      <p:cBhvr>
+                                        <p:cTn id="16" dur="1" fill="hold">
+                                          <p:stCondLst>
+                                            <p:cond delay="0"/>
+                                          </p:stCondLst>
+                                        </p:cTn>
+                                        <p:tgtEl>
+                                          <p:spTgt spid="9"/>
+                                        </p:tgtEl>
+                                        <p:attrNameLst>
+                                          <p:attrName>style.visibility</p:attrName>
+                                        </p:attrNameLst>
+                                      </p:cBhvr>
+                                      <p:to>
+                                        <p:strVal val="visible"/>
+                                      </p:to>
+                                    </p:set>
+                                  </p:childTnLst>
+                                </p:cTn>
+                              </p:par>
+                            </p:childTnLst>
+                          </p:cTn>
+                        </p:par>
+                      </p:childTnLst>
+                    </p:cTn>
+                  </p:par>
+                  <p:par>
+                    <p:cTn id="17" fill="hold">
+                      <p:stCondLst>
+                        <p:cond delay="indefinite"/>
+                      </p:stCondLst>
+                      <p:childTnLst>
+                        <p:par>
+                          <p:cTn id="18" fill="hold">
+                            <p:stCondLst>
+                              <p:cond delay="0"/>
+                            </p:stCondLst>
+                            <p:childTnLst>
+                              <p:par>
+                                <p:cTn id="19" presetID="10" presetClass="entr" presetSubtype="0" fill="hold" nodeType="clickEffect">
+                                  <p:stCondLst>
+                                    <p:cond delay="0"/>
+                                  </p:stCondLst>
+                                  <p:childTnLst>
+                                    <p:set>
+                                      <p:cBhvr>
+                                        <p:cTn id="20" dur="1" fill="hold">
+                                          <p:stCondLst>
+                                            <p:cond delay="0"/>
+                                          </p:stCondLst>
+                                        </p:cTn>
+                                        <p:tgtEl>
+                                          <p:spTgt spid="13"/>
+                                        </p:tgtEl>
+                                        <p:attrNameLst>
+                                          <p:attrName>style.visibility</p:attrName>
+                                        </p:attrNameLst>
+                                      </p:cBhvr>
+                                      <p:to>
+                                        <p:strVal val="visible"/>
+                                      </p:to>
+                                    </p:set>
+                                    <p:animEffect transition="in" filter="fade">
+                                      <p:cBhvr>
+                                        <p:cTn id="21" dur="500"/>
+                                        <p:tgtEl>
+                                          <p:spTgt spid="13"/>
+                                        </p:tgtEl>
+                                      </p:cBhvr>
+                                    </p:animEffect>
+                                  </p:childTnLst>
+                                </p:cTn>
+                              </p:par>
+                            </p:childTnLst>
+                          </p:cTn>
+                        </p:par>
+                      </p:childTnLst>
+                    </p:cTn>
+                  </p:par>
+                  <p:par>
+                    <p:cTn id="22" fill="hold">
+                      <p:stCondLst>
+                        <p:cond delay="indefinite"/>
+                      </p:stCondLst>
+                      <p:childTnLst>
+                        <p:par>
+                          <p:cTn id="23" fill="hold">
+                            <p:stCondLst>
+                              <p:cond delay="0"/>
+                            </p:stCondLst>
+                            <p:childTnLst>
+                              <p:par>
+                                <p:cTn id="24" presetID="10" presetClass="entr" presetSubtype="0" fill="hold" grpId="0" nodeType="clickEffect">
+                                  <p:stCondLst>
+                                    <p:cond delay="0"/>
+                                  </p:stCondLst>
+                                  <p:childTnLst>
+                                    <p:set>
+                                      <p:cBhvr>
+                                        <p:cTn id="25" dur="1" fill="hold">
+                                          <p:stCondLst>
+                                            <p:cond delay="0"/>
+                                          </p:stCondLst>
+                                        </p:cTn>
+                                        <p:tgtEl>
+                                          <p:spTgt spid="15"/>
+                                        </p:tgtEl>
+                                        <p:attrNameLst>
+                                          <p:attrName>style.visibility</p:attrName>
+                                        </p:attrNameLst>
+                                      </p:cBhvr>
+                                      <p:to>
+                                        <p:strVal val="visible"/>
+                                      </p:to>
+                                    </p:set>
+                                    <p:animEffect transition="in" filter="fade">
+                                      <p:cBhvr>
+                                        <p:cTn id="26" dur="500"/>
+                                        <p:tgtEl>
+                                          <p:spTgt spid="15"/>
+                                        </p:tgtEl>
+                                      </p:cBhvr>
+                                    </p:animEffect>
+                                  </p:childTnLst>
+                                </p:cTn>
+                              </p:par>
+                            </p:childTnLst>
+                          </p:cTn>
+                        </p:par>
+                      </p:childTnLst>
+                    </p:cTn>
+                  </p:par>
+                  <p:par>
+                    <p:cTn id="27" fill="hold">
+                      <p:stCondLst>
+                        <p:cond delay="indefinite"/>
+                      </p:stCondLst>
+                      <p:childTnLst>
+                        <p:par>
+                          <p:cTn id="28" fill="hold">
+                            <p:stCondLst>
+                              <p:cond delay="0"/>
+                            </p:stCondLst>
+                            <p:childTnLst>
+                              <p:par>
+                                <p:cTn id="29" presetID="10" presetClass="entr" presetSubtype="0" fill="hold" grpId="0" nodeType="clickEffect">
+                                  <p:stCondLst>
+                                    <p:cond delay="0"/>
+                                  </p:stCondLst>
+                                  <p:childTnLst>
+                                    <p:set>
+                                      <p:cBhvr>
+                                        <p:cTn id="30" dur="1" fill="hold">
+                                          <p:stCondLst>
+                                            <p:cond delay="0"/>
+                                          </p:stCondLst>
+                                        </p:cTn>
+                                        <p:tgtEl>
+                                          <p:spTgt spid="14"/>
+                                        </p:tgtEl>
+                                        <p:attrNameLst>
+                                          <p:attrName>style.visibility</p:attrName>
+                                        </p:attrNameLst>
+                                      </p:cBhvr>
+                                      <p:to>
+                                        <p:strVal val="visible"/>
+                                      </p:to>
+                                    </p:set>
+                                    <p:animEffect transition="in" filter="fade">
+                                      <p:cBhvr>
+                                        <p:cTn id="31" dur="500"/>
+                                        <p:tgtEl>
+                                          <p:spTgt spid="14"/>
+                                        </p:tgtEl>
+                                      </p:cBhvr>
+                                    </p:animEffect>
+                                  </p:childTnLst>
+                                </p:cTn>
+                              </p:par>
+                            </p:childTnLst>
+                          </p:cTn>
+                        </p:par>
+                      </p:childTnLst>
+                    </p:cTn>
+                  </p:par>
+                </p:childTnLst>
+              </p:cTn>
+              <p:prevCondLst>
+                <p:cond evt="onPrev" delay="0">
+                  <p:tgtEl>
+                    <p:sldTgt/>
+                  </p:tgtEl>
+                </p:cond>
+              </p:prevCondLst>
+              <p:nextCondLst>
+                <p:cond evt="onNext" delay="0">
+                  <p:tgtEl>
+                    <p:sldTgt/>
+                  </p:tgtEl>
+                </p:cond>
+              </p:nextCondLst>
+            </p:seq>
+          </p:childTnLst>
+        </p:cTn>
+      </p:par>
+    </p:tnLst>
+    <p:bldLst>
+      <p:bldP spid="2" grpId="0"/>
+      <p:bldP spid="9" grpId="0"/>
+      <p:bldP spid="14" grpId="0"/>
+      <p:bldP spid="15" grpId="0"/>
+    </p:bldLst>
+  </p:timing>
 </p:sld>
 </file>
 
@@ -8007,6 +10135,101 @@
   <p:clrMapOvr>
     <a:masterClrMapping/>
   </p:clrMapOvr>
+  <mc:AlternateContent xmlns:mc="http://schemas.openxmlformats.org/markup-compatibility/2006" xmlns:p14="http://schemas.microsoft.com/office/powerpoint/2010/main">
+    <mc:Choice Requires="p14">
+      <p:transition spd="med" p14:dur="700">
+        <p:fade/>
+      </p:transition>
+    </mc:Choice>
+    <mc:Fallback xmlns="">
+      <p:transition spd="med">
+        <p:fade/>
+      </p:transition>
+    </mc:Fallback>
+  </mc:AlternateContent>
+  <p:timing>
+    <p:tnLst>
+      <p:par>
+        <p:cTn id="1" dur="indefinite" restart="never" nodeType="tmRoot">
+          <p:childTnLst>
+            <p:seq concurrent="1" nextAc="seek">
+              <p:cTn id="2" dur="indefinite" nodeType="mainSeq">
+                <p:childTnLst>
+                  <p:par>
+                    <p:cTn id="3" fill="hold">
+                      <p:stCondLst>
+                        <p:cond delay="indefinite"/>
+                      </p:stCondLst>
+                      <p:childTnLst>
+                        <p:par>
+                          <p:cTn id="4" fill="hold">
+                            <p:stCondLst>
+                              <p:cond delay="0"/>
+                            </p:stCondLst>
+                            <p:childTnLst>
+                              <p:par>
+                                <p:cTn id="5" presetID="16" presetClass="entr" presetSubtype="37" fill="hold" nodeType="clickEffect">
+                                  <p:stCondLst>
+                                    <p:cond delay="0"/>
+                                  </p:stCondLst>
+                                  <p:childTnLst>
+                                    <p:set>
+                                      <p:cBhvr>
+                                        <p:cTn id="6" dur="1" fill="hold">
+                                          <p:stCondLst>
+                                            <p:cond delay="0"/>
+                                          </p:stCondLst>
+                                        </p:cTn>
+                                        <p:tgtEl>
+                                          <p:spTgt spid="6"/>
+                                        </p:tgtEl>
+                                        <p:attrNameLst>
+                                          <p:attrName>style.visibility</p:attrName>
+                                        </p:attrNameLst>
+                                      </p:cBhvr>
+                                      <p:to>
+                                        <p:strVal val="visible"/>
+                                      </p:to>
+                                    </p:set>
+                                    <p:animEffect transition="in" filter="barn(outVertical)">
+                                      <p:cBhvr>
+                                        <p:cTn id="7" dur="500"/>
+                                        <p:tgtEl>
+                                          <p:spTgt spid="6"/>
+                                        </p:tgtEl>
+                                      </p:cBhvr>
+                                    </p:animEffect>
+                                  </p:childTnLst>
+                                </p:cTn>
+                              </p:par>
+                            </p:childTnLst>
+                          </p:cTn>
+                        </p:par>
+                      </p:childTnLst>
+                    </p:cTn>
+                  </p:par>
+                </p:childTnLst>
+              </p:cTn>
+              <p:prevCondLst>
+                <p:cond evt="onPrev" delay="0">
+                  <p:tgtEl>
+                    <p:sldTgt/>
+                  </p:tgtEl>
+                </p:cond>
+              </p:prevCondLst>
+              <p:nextCondLst>
+                <p:cond evt="onNext" delay="0">
+                  <p:tgtEl>
+                    <p:sldTgt/>
+                  </p:tgtEl>
+                </p:cond>
+              </p:nextCondLst>
+            </p:seq>
+          </p:childTnLst>
+        </p:cTn>
+      </p:par>
+    </p:tnLst>
+  </p:timing>
 </p:sld>
 </file>
 
@@ -8145,6 +10368,174 @@
   <p:clrMapOvr>
     <a:masterClrMapping/>
   </p:clrMapOvr>
+  <p:timing>
+    <p:tnLst>
+      <p:par>
+        <p:cTn id="1" dur="indefinite" restart="never" nodeType="tmRoot">
+          <p:childTnLst>
+            <p:seq concurrent="1" nextAc="seek">
+              <p:cTn id="2" dur="indefinite" nodeType="mainSeq">
+                <p:childTnLst>
+                  <p:par>
+                    <p:cTn id="3" fill="hold">
+                      <p:stCondLst>
+                        <p:cond delay="indefinite"/>
+                        <p:cond evt="onBegin" delay="0">
+                          <p:tn val="2"/>
+                        </p:cond>
+                      </p:stCondLst>
+                      <p:childTnLst>
+                        <p:par>
+                          <p:cTn id="4" fill="hold">
+                            <p:stCondLst>
+                              <p:cond delay="0"/>
+                            </p:stCondLst>
+                            <p:childTnLst>
+                              <p:par>
+                                <p:cTn id="5" presetID="10" presetClass="entr" presetSubtype="0" fill="hold" grpId="0" nodeType="withEffect">
+                                  <p:stCondLst>
+                                    <p:cond delay="0"/>
+                                  </p:stCondLst>
+                                  <p:childTnLst>
+                                    <p:set>
+                                      <p:cBhvr>
+                                        <p:cTn id="6" dur="1" fill="hold">
+                                          <p:stCondLst>
+                                            <p:cond delay="0"/>
+                                          </p:stCondLst>
+                                        </p:cTn>
+                                        <p:tgtEl>
+                                          <p:spTgt spid="2"/>
+                                        </p:tgtEl>
+                                        <p:attrNameLst>
+                                          <p:attrName>style.visibility</p:attrName>
+                                        </p:attrNameLst>
+                                      </p:cBhvr>
+                                      <p:to>
+                                        <p:strVal val="visible"/>
+                                      </p:to>
+                                    </p:set>
+                                    <p:animEffect transition="in" filter="fade">
+                                      <p:cBhvr>
+                                        <p:cTn id="7" dur="500"/>
+                                        <p:tgtEl>
+                                          <p:spTgt spid="2"/>
+                                        </p:tgtEl>
+                                      </p:cBhvr>
+                                    </p:animEffect>
+                                  </p:childTnLst>
+                                </p:cTn>
+                              </p:par>
+                              <p:par>
+                                <p:cTn id="8" presetID="22" presetClass="entr" presetSubtype="1" fill="hold" nodeType="withEffect">
+                                  <p:stCondLst>
+                                    <p:cond delay="500"/>
+                                  </p:stCondLst>
+                                  <p:childTnLst>
+                                    <p:set>
+                                      <p:cBhvr>
+                                        <p:cTn id="9" dur="1" fill="hold">
+                                          <p:stCondLst>
+                                            <p:cond delay="0"/>
+                                          </p:stCondLst>
+                                        </p:cTn>
+                                        <p:tgtEl>
+                                          <p:spTgt spid="5"/>
+                                        </p:tgtEl>
+                                        <p:attrNameLst>
+                                          <p:attrName>style.visibility</p:attrName>
+                                        </p:attrNameLst>
+                                      </p:cBhvr>
+                                      <p:to>
+                                        <p:strVal val="visible"/>
+                                      </p:to>
+                                    </p:set>
+                                    <p:animEffect transition="in" filter="wipe(up)">
+                                      <p:cBhvr>
+                                        <p:cTn id="10" dur="500"/>
+                                        <p:tgtEl>
+                                          <p:spTgt spid="5"/>
+                                        </p:tgtEl>
+                                      </p:cBhvr>
+                                    </p:animEffect>
+                                  </p:childTnLst>
+                                </p:cTn>
+                              </p:par>
+                              <p:par>
+                                <p:cTn id="11" presetID="10" presetClass="entr" presetSubtype="0" fill="hold" grpId="0" nodeType="withEffect">
+                                  <p:stCondLst>
+                                    <p:cond delay="500"/>
+                                  </p:stCondLst>
+                                  <p:childTnLst>
+                                    <p:set>
+                                      <p:cBhvr>
+                                        <p:cTn id="12" dur="1" fill="hold">
+                                          <p:stCondLst>
+                                            <p:cond delay="0"/>
+                                          </p:stCondLst>
+                                        </p:cTn>
+                                        <p:tgtEl>
+                                          <p:spTgt spid="3">
+                                            <p:txEl>
+                                              <p:pRg st="0" end="0"/>
+                                            </p:txEl>
+                                          </p:spTgt>
+                                        </p:tgtEl>
+                                        <p:attrNameLst>
+                                          <p:attrName>style.visibility</p:attrName>
+                                        </p:attrNameLst>
+                                      </p:cBhvr>
+                                      <p:to>
+                                        <p:strVal val="visible"/>
+                                      </p:to>
+                                    </p:set>
+                                    <p:animEffect transition="in" filter="fade">
+                                      <p:cBhvr>
+                                        <p:cTn id="13" dur="500"/>
+                                        <p:tgtEl>
+                                          <p:spTgt spid="3">
+                                            <p:txEl>
+                                              <p:pRg st="0" end="0"/>
+                                            </p:txEl>
+                                          </p:spTgt>
+                                        </p:tgtEl>
+                                      </p:cBhvr>
+                                    </p:animEffect>
+                                  </p:childTnLst>
+                                </p:cTn>
+                              </p:par>
+                            </p:childTnLst>
+                          </p:cTn>
+                        </p:par>
+                      </p:childTnLst>
+                    </p:cTn>
+                  </p:par>
+                </p:childTnLst>
+              </p:cTn>
+              <p:prevCondLst>
+                <p:cond evt="onPrev" delay="0">
+                  <p:tgtEl>
+                    <p:sldTgt/>
+                  </p:tgtEl>
+                </p:cond>
+              </p:prevCondLst>
+              <p:nextCondLst>
+                <p:cond evt="onNext" delay="0">
+                  <p:tgtEl>
+                    <p:sldTgt/>
+                  </p:tgtEl>
+                </p:cond>
+              </p:nextCondLst>
+            </p:seq>
+          </p:childTnLst>
+        </p:cTn>
+      </p:par>
+    </p:tnLst>
+    <p:bldLst>
+      <p:bldP spid="2" grpId="0"/>
+      <p:bldP spid="3" grpId="0" build="p"/>
+    </p:bldLst>
+  </p:timing>
 </p:sld>
 </file>
 
@@ -8481,6 +10872,18 @@
   <p:clrMapOvr>
     <a:masterClrMapping/>
   </p:clrMapOvr>
+  <mc:AlternateContent xmlns:mc="http://schemas.openxmlformats.org/markup-compatibility/2006" xmlns:p14="http://schemas.microsoft.com/office/powerpoint/2010/main">
+    <mc:Choice Requires="p14">
+      <p:transition spd="med" p14:dur="700">
+        <p:fade/>
+      </p:transition>
+    </mc:Choice>
+    <mc:Fallback xmlns="">
+      <p:transition spd="med">
+        <p:fade/>
+      </p:transition>
+    </mc:Fallback>
+  </mc:AlternateContent>
 </p:sld>
 </file>
 
@@ -8506,7 +10909,7 @@
           <p:cNvPr id="2" name="Title 1">
             <a:extLst>
               <a:ext uri="{FF2B5EF4-FFF2-40B4-BE49-F238E27FC236}">
-                <a16:creationId xmlns:a16="http://schemas.microsoft.com/office/drawing/2014/main" id="{648859DE-4877-4392-92D7-422725B5E0E1}"/>
+                <a16:creationId xmlns:a16="http://schemas.microsoft.com/office/drawing/2014/main" id="{F8DC5F65-EE4F-4540-906F-8F6AC3031C5A}"/>
               </a:ext>
             </a:extLst>
           </p:cNvPr>
@@ -8517,7 +10920,12 @@
             <p:ph type="title"/>
           </p:nvPr>
         </p:nvSpPr>
-        <p:spPr/>
+        <p:spPr>
+          <a:xfrm>
+            <a:off x="2235200" y="150643"/>
+            <a:ext cx="7958331" cy="1077229"/>
+          </a:xfrm>
+        </p:spPr>
         <p:txBody>
           <a:bodyPr/>
           <a:lstStyle/>
@@ -8525,7 +10933,7 @@
             <a:pPr algn="l"/>
             <a:r>
               <a:rPr lang="en-US" dirty="0"/>
-              <a:t>React</a:t>
+              <a:t>Angular</a:t>
             </a:r>
           </a:p>
         </p:txBody>
@@ -8535,7 +10943,7 @@
           <p:cNvPr id="5" name="Rectangle 4">
             <a:extLst>
               <a:ext uri="{FF2B5EF4-FFF2-40B4-BE49-F238E27FC236}">
-                <a16:creationId xmlns:a16="http://schemas.microsoft.com/office/drawing/2014/main" id="{5953D06C-3448-45ED-936E-46838AE808E5}"/>
+                <a16:creationId xmlns:a16="http://schemas.microsoft.com/office/drawing/2014/main" id="{2B5A4D16-9EF2-4F5C-8A00-AB6C9846BCD0}"/>
               </a:ext>
             </a:extLst>
           </p:cNvPr>
@@ -8544,24 +10952,22 @@
         </p:nvSpPr>
         <p:spPr>
           <a:xfrm>
-            <a:off x="1888067" y="1625600"/>
-            <a:ext cx="4097866" cy="889000"/>
+            <a:off x="2235200" y="809899"/>
+            <a:ext cx="8178800" cy="5054600"/>
           </a:xfrm>
           <a:prstGeom prst="rect">
             <a:avLst/>
           </a:prstGeom>
         </p:spPr>
         <p:style>
-          <a:lnRef idx="2">
-            <a:schemeClr val="accent3">
-              <a:shade val="50000"/>
-            </a:schemeClr>
+          <a:lnRef idx="3">
+            <a:schemeClr val="lt1"/>
           </a:lnRef>
           <a:fillRef idx="1">
-            <a:schemeClr val="accent3"/>
+            <a:schemeClr val="accent4"/>
           </a:fillRef>
-          <a:effectRef idx="0">
-            <a:schemeClr val="accent3"/>
+          <a:effectRef idx="1">
+            <a:schemeClr val="accent4"/>
           </a:effectRef>
           <a:fontRef idx="minor">
             <a:schemeClr val="lt1"/>
@@ -8572,28 +10978,55 @@
           <a:lstStyle/>
           <a:p>
             <a:pPr algn="ctr"/>
-            <a:r>
-              <a:rPr lang="en-US" sz="3200" dirty="0" err="1">
+            <a:endParaRPr lang="en-US" dirty="0"/>
+          </a:p>
+        </p:txBody>
+      </p:sp>
+      <p:sp>
+        <p:nvSpPr>
+          <p:cNvPr id="6" name="TextBox 5">
+            <a:extLst>
+              <a:ext uri="{FF2B5EF4-FFF2-40B4-BE49-F238E27FC236}">
+                <a16:creationId xmlns:a16="http://schemas.microsoft.com/office/drawing/2014/main" id="{811FCC0E-596D-4E6C-B61C-367319F02F74}"/>
+              </a:ext>
+            </a:extLst>
+          </p:cNvPr>
+          <p:cNvSpPr txBox="1"/>
+          <p:nvPr/>
+        </p:nvSpPr>
+        <p:spPr>
+          <a:xfrm>
+            <a:off x="2413000" y="962299"/>
+            <a:ext cx="1693333" cy="369332"/>
+          </a:xfrm>
+          <a:prstGeom prst="rect">
+            <a:avLst/>
+          </a:prstGeom>
+          <a:noFill/>
+        </p:spPr>
+        <p:txBody>
+          <a:bodyPr wrap="square" rtlCol="0">
+            <a:spAutoFit/>
+          </a:bodyPr>
+          <a:lstStyle/>
+          <a:p>
+            <a:r>
+              <a:rPr lang="en-US" dirty="0">
                 <a:solidFill>
                   <a:schemeClr val="bg1"/>
                 </a:solidFill>
               </a:rPr>
-              <a:t>Container.jsx</a:t>
-            </a:r>
-            <a:endParaRPr lang="en-US" sz="3200" dirty="0">
-              <a:solidFill>
-                <a:schemeClr val="bg1"/>
-              </a:solidFill>
-            </a:endParaRPr>
-          </a:p>
-        </p:txBody>
-      </p:sp>
-      <p:sp>
-        <p:nvSpPr>
-          <p:cNvPr id="6" name="Rectangle 5">
+              <a:t>Module</a:t>
+            </a:r>
+          </a:p>
+        </p:txBody>
+      </p:sp>
+      <p:sp>
+        <p:nvSpPr>
+          <p:cNvPr id="7" name="Rectangle 6">
             <a:extLst>
               <a:ext uri="{FF2B5EF4-FFF2-40B4-BE49-F238E27FC236}">
-                <a16:creationId xmlns:a16="http://schemas.microsoft.com/office/drawing/2014/main" id="{DF9029A9-E480-45A0-9532-A27471E333FB}"/>
+                <a16:creationId xmlns:a16="http://schemas.microsoft.com/office/drawing/2014/main" id="{9C518E6F-0A38-4296-85F4-0C7130CD62ED}"/>
               </a:ext>
             </a:extLst>
           </p:cNvPr>
@@ -8602,8 +11035,8 @@
         </p:nvSpPr>
         <p:spPr>
           <a:xfrm>
-            <a:off x="1894860" y="3615299"/>
-            <a:ext cx="4097866" cy="889000"/>
+            <a:off x="2506133" y="1766632"/>
+            <a:ext cx="2294467" cy="1077229"/>
           </a:xfrm>
           <a:prstGeom prst="rect">
             <a:avLst/>
@@ -8611,15 +11044,15 @@
         </p:spPr>
         <p:style>
           <a:lnRef idx="2">
-            <a:schemeClr val="accent3">
+            <a:schemeClr val="accent1">
               <a:shade val="50000"/>
             </a:schemeClr>
           </a:lnRef>
           <a:fillRef idx="1">
-            <a:schemeClr val="accent3"/>
+            <a:schemeClr val="accent1"/>
           </a:fillRef>
           <a:effectRef idx="0">
-            <a:schemeClr val="accent3"/>
+            <a:schemeClr val="accent1"/>
           </a:effectRef>
           <a:fontRef idx="minor">
             <a:schemeClr val="lt1"/>
@@ -8631,27 +11064,38 @@
           <a:p>
             <a:pPr algn="ctr"/>
             <a:r>
-              <a:rPr lang="en-US" sz="3200" dirty="0" err="1">
+              <a:rPr lang="en-US" dirty="0">
                 <a:solidFill>
                   <a:schemeClr val="bg1"/>
                 </a:solidFill>
               </a:rPr>
-              <a:t>List.jsx</a:t>
-            </a:r>
-            <a:endParaRPr lang="en-US" sz="3200" dirty="0">
-              <a:solidFill>
-                <a:schemeClr val="bg1"/>
-              </a:solidFill>
-            </a:endParaRPr>
-          </a:p>
-        </p:txBody>
-      </p:sp>
-      <p:sp>
-        <p:nvSpPr>
-          <p:cNvPr id="7" name="Rectangle 6">
+              <a:t>List component (.</a:t>
+            </a:r>
+            <a:r>
+              <a:rPr lang="en-US" dirty="0" err="1">
+                <a:solidFill>
+                  <a:schemeClr val="bg1"/>
+                </a:solidFill>
+              </a:rPr>
+              <a:t>ts</a:t>
+            </a:r>
+            <a:r>
+              <a:rPr lang="en-US" dirty="0">
+                <a:solidFill>
+                  <a:schemeClr val="bg1"/>
+                </a:solidFill>
+              </a:rPr>
+              <a:t>)</a:t>
+            </a:r>
+          </a:p>
+        </p:txBody>
+      </p:sp>
+      <p:sp>
+        <p:nvSpPr>
+          <p:cNvPr id="8" name="Rectangle 7">
             <a:extLst>
               <a:ext uri="{FF2B5EF4-FFF2-40B4-BE49-F238E27FC236}">
-                <a16:creationId xmlns:a16="http://schemas.microsoft.com/office/drawing/2014/main" id="{FC49D301-2272-40D4-88BF-3F4AF741CF75}"/>
+                <a16:creationId xmlns:a16="http://schemas.microsoft.com/office/drawing/2014/main" id="{3D6C032C-0774-4DFD-ACEB-9C1456C984E4}"/>
               </a:ext>
             </a:extLst>
           </p:cNvPr>
@@ -8660,8 +11104,8 @@
         </p:nvSpPr>
         <p:spPr>
           <a:xfrm>
-            <a:off x="1888063" y="5383671"/>
-            <a:ext cx="4097866" cy="889000"/>
+            <a:off x="2505974" y="3807098"/>
+            <a:ext cx="2294467" cy="1077229"/>
           </a:xfrm>
           <a:prstGeom prst="rect">
             <a:avLst/>
@@ -8669,15 +11113,15 @@
         </p:spPr>
         <p:style>
           <a:lnRef idx="2">
-            <a:schemeClr val="accent3">
+            <a:schemeClr val="accent1">
               <a:shade val="50000"/>
             </a:schemeClr>
           </a:lnRef>
           <a:fillRef idx="1">
-            <a:schemeClr val="accent3"/>
+            <a:schemeClr val="accent1"/>
           </a:fillRef>
           <a:effectRef idx="0">
-            <a:schemeClr val="accent3"/>
+            <a:schemeClr val="accent1"/>
           </a:effectRef>
           <a:fontRef idx="minor">
             <a:schemeClr val="lt1"/>
@@ -8689,27 +11133,46 @@
           <a:p>
             <a:pPr algn="ctr"/>
             <a:r>
-              <a:rPr lang="en-US" sz="3200" dirty="0" err="1">
+              <a:rPr lang="en-US" dirty="0" err="1">
                 <a:solidFill>
                   <a:schemeClr val="bg1"/>
                 </a:solidFill>
               </a:rPr>
-              <a:t>ListItem.jsx</a:t>
-            </a:r>
-            <a:endParaRPr lang="en-US" sz="3200" dirty="0">
-              <a:solidFill>
-                <a:schemeClr val="bg1"/>
-              </a:solidFill>
-            </a:endParaRPr>
-          </a:p>
-        </p:txBody>
-      </p:sp>
-      <p:sp>
-        <p:nvSpPr>
-          <p:cNvPr id="8" name="Arrow: Right 7">
+              <a:t>ListItem</a:t>
+            </a:r>
+            <a:r>
+              <a:rPr lang="en-US" dirty="0">
+                <a:solidFill>
+                  <a:schemeClr val="bg1"/>
+                </a:solidFill>
+              </a:rPr>
+              <a:t> component (.</a:t>
+            </a:r>
+            <a:r>
+              <a:rPr lang="en-US" dirty="0" err="1">
+                <a:solidFill>
+                  <a:schemeClr val="bg1"/>
+                </a:solidFill>
+              </a:rPr>
+              <a:t>ts</a:t>
+            </a:r>
+            <a:r>
+              <a:rPr lang="en-US" dirty="0">
+                <a:solidFill>
+                  <a:schemeClr val="bg1"/>
+                </a:solidFill>
+              </a:rPr>
+              <a:t>)</a:t>
+            </a:r>
+          </a:p>
+        </p:txBody>
+      </p:sp>
+      <p:sp>
+        <p:nvSpPr>
+          <p:cNvPr id="9" name="Oval 8">
             <a:extLst>
               <a:ext uri="{FF2B5EF4-FFF2-40B4-BE49-F238E27FC236}">
-                <a16:creationId xmlns:a16="http://schemas.microsoft.com/office/drawing/2014/main" id="{AB53E075-E707-457A-8191-0DB739563EDF}"/>
+                <a16:creationId xmlns:a16="http://schemas.microsoft.com/office/drawing/2014/main" id="{63D6D41A-88D4-46F8-A502-6E8C19E18294}"/>
               </a:ext>
             </a:extLst>
           </p:cNvPr>
@@ -8717,25 +11180,25 @@
           <p:nvPr/>
         </p:nvSpPr>
         <p:spPr>
-          <a:xfrm rot="5400000">
-            <a:off x="3420532" y="2909188"/>
-            <a:ext cx="1032934" cy="243761"/>
-          </a:xfrm>
-          <a:prstGeom prst="rightArrow">
+          <a:xfrm>
+            <a:off x="5987309" y="1031995"/>
+            <a:ext cx="2565400" cy="1144600"/>
+          </a:xfrm>
+          <a:prstGeom prst="ellipse">
             <a:avLst/>
           </a:prstGeom>
         </p:spPr>
         <p:style>
           <a:lnRef idx="2">
-            <a:schemeClr val="accent3">
+            <a:schemeClr val="accent1">
               <a:shade val="50000"/>
             </a:schemeClr>
           </a:lnRef>
           <a:fillRef idx="1">
-            <a:schemeClr val="accent3"/>
+            <a:schemeClr val="accent1"/>
           </a:fillRef>
           <a:effectRef idx="0">
-            <a:schemeClr val="accent3"/>
+            <a:schemeClr val="accent1"/>
           </a:effectRef>
           <a:fontRef idx="minor">
             <a:schemeClr val="lt1"/>
@@ -8746,16 +11209,23 @@
           <a:lstStyle/>
           <a:p>
             <a:pPr algn="ctr"/>
-            <a:endParaRPr lang="en-US"/>
-          </a:p>
-        </p:txBody>
-      </p:sp>
-      <p:sp>
-        <p:nvSpPr>
-          <p:cNvPr id="9" name="Arrow: Right 8">
+            <a:r>
+              <a:rPr lang="en-US" dirty="0">
+                <a:solidFill>
+                  <a:schemeClr val="bg1"/>
+                </a:solidFill>
+              </a:rPr>
+              <a:t>Template (.html)</a:t>
+            </a:r>
+          </a:p>
+        </p:txBody>
+      </p:sp>
+      <p:sp>
+        <p:nvSpPr>
+          <p:cNvPr id="10" name="Oval 9">
             <a:extLst>
               <a:ext uri="{FF2B5EF4-FFF2-40B4-BE49-F238E27FC236}">
-                <a16:creationId xmlns:a16="http://schemas.microsoft.com/office/drawing/2014/main" id="{11A01BAF-5E35-4A35-9CC2-C456F3C5EA48}"/>
+                <a16:creationId xmlns:a16="http://schemas.microsoft.com/office/drawing/2014/main" id="{090F3F3B-E91D-450B-AB24-A6D6ED5F9247}"/>
               </a:ext>
             </a:extLst>
           </p:cNvPr>
@@ -8763,25 +11233,25 @@
           <p:nvPr/>
         </p:nvSpPr>
         <p:spPr>
-          <a:xfrm rot="5400000">
-            <a:off x="3510512" y="4808906"/>
-            <a:ext cx="852972" cy="243761"/>
-          </a:xfrm>
-          <a:prstGeom prst="rightArrow">
+          <a:xfrm>
+            <a:off x="5559216" y="3106147"/>
+            <a:ext cx="2565400" cy="1144600"/>
+          </a:xfrm>
+          <a:prstGeom prst="ellipse">
             <a:avLst/>
           </a:prstGeom>
         </p:spPr>
         <p:style>
           <a:lnRef idx="2">
-            <a:schemeClr val="accent3">
+            <a:schemeClr val="accent1">
               <a:shade val="50000"/>
             </a:schemeClr>
           </a:lnRef>
           <a:fillRef idx="1">
-            <a:schemeClr val="accent3"/>
+            <a:schemeClr val="accent1"/>
           </a:fillRef>
           <a:effectRef idx="0">
-            <a:schemeClr val="accent3"/>
+            <a:schemeClr val="accent1"/>
           </a:effectRef>
           <a:fontRef idx="minor">
             <a:schemeClr val="lt1"/>
@@ -8792,16 +11262,23 @@
           <a:lstStyle/>
           <a:p>
             <a:pPr algn="ctr"/>
-            <a:endParaRPr lang="en-US"/>
-          </a:p>
-        </p:txBody>
-      </p:sp>
-      <p:sp>
-        <p:nvSpPr>
-          <p:cNvPr id="10" name="Arrow: Right 9">
+            <a:r>
+              <a:rPr lang="en-US" dirty="0">
+                <a:solidFill>
+                  <a:schemeClr val="bg1"/>
+                </a:solidFill>
+              </a:rPr>
+              <a:t>Template (.html)</a:t>
+            </a:r>
+          </a:p>
+        </p:txBody>
+      </p:sp>
+      <p:sp>
+        <p:nvSpPr>
+          <p:cNvPr id="12" name="Isosceles Triangle 11">
             <a:extLst>
               <a:ext uri="{FF2B5EF4-FFF2-40B4-BE49-F238E27FC236}">
-                <a16:creationId xmlns:a16="http://schemas.microsoft.com/office/drawing/2014/main" id="{DBB32ADE-0F93-4A6E-BD90-76E08D7AED64}"/>
+                <a16:creationId xmlns:a16="http://schemas.microsoft.com/office/drawing/2014/main" id="{B7AD6E2B-2BBF-481B-8B82-11710A16DBB7}"/>
               </a:ext>
             </a:extLst>
           </p:cNvPr>
@@ -8810,70 +11287,24 @@
         </p:nvSpPr>
         <p:spPr>
           <a:xfrm>
-            <a:off x="5985932" y="1944237"/>
-            <a:ext cx="1388533" cy="243761"/>
-          </a:xfrm>
-          <a:prstGeom prst="rightArrow">
+            <a:off x="7979508" y="1469322"/>
+            <a:ext cx="1913466" cy="1374539"/>
+          </a:xfrm>
+          <a:prstGeom prst="triangle">
             <a:avLst/>
           </a:prstGeom>
         </p:spPr>
         <p:style>
           <a:lnRef idx="2">
-            <a:schemeClr val="accent3">
+            <a:schemeClr val="accent1">
               <a:shade val="50000"/>
             </a:schemeClr>
           </a:lnRef>
           <a:fillRef idx="1">
-            <a:schemeClr val="accent3"/>
+            <a:schemeClr val="accent1"/>
           </a:fillRef>
           <a:effectRef idx="0">
-            <a:schemeClr val="accent3"/>
-          </a:effectRef>
-          <a:fontRef idx="minor">
-            <a:schemeClr val="lt1"/>
-          </a:fontRef>
-        </p:style>
-        <p:txBody>
-          <a:bodyPr rtlCol="0" anchor="ctr"/>
-          <a:lstStyle/>
-          <a:p>
-            <a:pPr algn="ctr"/>
-            <a:endParaRPr lang="en-US"/>
-          </a:p>
-        </p:txBody>
-      </p:sp>
-      <p:sp>
-        <p:nvSpPr>
-          <p:cNvPr id="11" name="Isosceles Triangle 10">
-            <a:extLst>
-              <a:ext uri="{FF2B5EF4-FFF2-40B4-BE49-F238E27FC236}">
-                <a16:creationId xmlns:a16="http://schemas.microsoft.com/office/drawing/2014/main" id="{785E9FC0-3403-4D61-8370-51C0F2550028}"/>
-              </a:ext>
-            </a:extLst>
-          </p:cNvPr>
-          <p:cNvSpPr/>
-          <p:nvPr/>
-        </p:nvSpPr>
-        <p:spPr>
-          <a:xfrm>
-            <a:off x="7103534" y="1198015"/>
-            <a:ext cx="1913466" cy="1374539"/>
-          </a:xfrm>
-          <a:prstGeom prst="triangle">
-            <a:avLst/>
-          </a:prstGeom>
-        </p:spPr>
-        <p:style>
-          <a:lnRef idx="2">
-            <a:schemeClr val="accent3">
-              <a:shade val="50000"/>
-            </a:schemeClr>
-          </a:lnRef>
-          <a:fillRef idx="1">
-            <a:schemeClr val="accent3"/>
-          </a:fillRef>
-          <a:effectRef idx="0">
-            <a:schemeClr val="accent3"/>
+            <a:schemeClr val="accent1"/>
           </a:effectRef>
           <a:fontRef idx="minor">
             <a:schemeClr val="lt1"/>
@@ -8910,10 +11341,10 @@
       </p:sp>
       <p:sp>
         <p:nvSpPr>
-          <p:cNvPr id="12" name="Arrow: Right 11">
+          <p:cNvPr id="13" name="Isosceles Triangle 12">
             <a:extLst>
               <a:ext uri="{FF2B5EF4-FFF2-40B4-BE49-F238E27FC236}">
-                <a16:creationId xmlns:a16="http://schemas.microsoft.com/office/drawing/2014/main" id="{1F55DE34-2637-473F-BAAB-4926E5CEE9AB}"/>
+                <a16:creationId xmlns:a16="http://schemas.microsoft.com/office/drawing/2014/main" id="{1C8B2D37-C8C0-425C-93AF-CFB6CB66439D}"/>
               </a:ext>
             </a:extLst>
           </p:cNvPr>
@@ -8922,70 +11353,24 @@
         </p:nvSpPr>
         <p:spPr>
           <a:xfrm>
-            <a:off x="5999519" y="3971287"/>
-            <a:ext cx="1374947" cy="243761"/>
-          </a:xfrm>
-          <a:prstGeom prst="rightArrow">
+            <a:off x="6639243" y="4386610"/>
+            <a:ext cx="1913466" cy="1374539"/>
+          </a:xfrm>
+          <a:prstGeom prst="triangle">
             <a:avLst/>
           </a:prstGeom>
         </p:spPr>
         <p:style>
           <a:lnRef idx="2">
-            <a:schemeClr val="accent3">
+            <a:schemeClr val="accent1">
               <a:shade val="50000"/>
             </a:schemeClr>
           </a:lnRef>
           <a:fillRef idx="1">
-            <a:schemeClr val="accent3"/>
+            <a:schemeClr val="accent1"/>
           </a:fillRef>
           <a:effectRef idx="0">
-            <a:schemeClr val="accent3"/>
-          </a:effectRef>
-          <a:fontRef idx="minor">
-            <a:schemeClr val="lt1"/>
-          </a:fontRef>
-        </p:style>
-        <p:txBody>
-          <a:bodyPr rtlCol="0" anchor="ctr"/>
-          <a:lstStyle/>
-          <a:p>
-            <a:pPr algn="ctr"/>
-            <a:endParaRPr lang="en-US"/>
-          </a:p>
-        </p:txBody>
-      </p:sp>
-      <p:sp>
-        <p:nvSpPr>
-          <p:cNvPr id="13" name="Isosceles Triangle 12">
-            <a:extLst>
-              <a:ext uri="{FF2B5EF4-FFF2-40B4-BE49-F238E27FC236}">
-                <a16:creationId xmlns:a16="http://schemas.microsoft.com/office/drawing/2014/main" id="{FFF44A3A-2B1A-4099-9B46-927E7DC1CE03}"/>
-              </a:ext>
-            </a:extLst>
-          </p:cNvPr>
-          <p:cNvSpPr/>
-          <p:nvPr/>
-        </p:nvSpPr>
-        <p:spPr>
-          <a:xfrm>
-            <a:off x="7117121" y="3225065"/>
-            <a:ext cx="1913466" cy="1374539"/>
-          </a:xfrm>
-          <a:prstGeom prst="triangle">
-            <a:avLst/>
-          </a:prstGeom>
-        </p:spPr>
-        <p:style>
-          <a:lnRef idx="2">
-            <a:schemeClr val="accent3">
-              <a:shade val="50000"/>
-            </a:schemeClr>
-          </a:lnRef>
-          <a:fillRef idx="1">
-            <a:schemeClr val="accent3"/>
-          </a:fillRef>
-          <a:effectRef idx="0">
-            <a:schemeClr val="accent3"/>
+            <a:schemeClr val="accent1"/>
           </a:effectRef>
           <a:fontRef idx="minor">
             <a:schemeClr val="lt1"/>
@@ -9022,10 +11407,10 @@
       </p:sp>
       <p:sp>
         <p:nvSpPr>
-          <p:cNvPr id="14" name="Arrow: Right 13">
+          <p:cNvPr id="15" name="Arrow: Right 14">
             <a:extLst>
               <a:ext uri="{FF2B5EF4-FFF2-40B4-BE49-F238E27FC236}">
-                <a16:creationId xmlns:a16="http://schemas.microsoft.com/office/drawing/2014/main" id="{3F80121D-B801-417B-A7C2-5FB218F62849}"/>
+                <a16:creationId xmlns:a16="http://schemas.microsoft.com/office/drawing/2014/main" id="{1A68AC35-E907-4B56-981C-BCA510F0DF13}"/>
               </a:ext>
             </a:extLst>
           </p:cNvPr>
@@ -9033,9 +11418,9 @@
           <p:nvPr/>
         </p:nvSpPr>
         <p:spPr>
-          <a:xfrm>
-            <a:off x="5985933" y="5718937"/>
-            <a:ext cx="1219200" cy="243761"/>
+          <a:xfrm rot="9255842">
+            <a:off x="4766020" y="1845548"/>
+            <a:ext cx="1230940" cy="243761"/>
           </a:xfrm>
           <a:prstGeom prst="rightArrow">
             <a:avLst/>
@@ -9043,15 +11428,15 @@
         </p:spPr>
         <p:style>
           <a:lnRef idx="2">
-            <a:schemeClr val="accent3">
+            <a:schemeClr val="accent1">
               <a:shade val="50000"/>
             </a:schemeClr>
           </a:lnRef>
           <a:fillRef idx="1">
-            <a:schemeClr val="accent3"/>
+            <a:schemeClr val="accent1"/>
           </a:fillRef>
           <a:effectRef idx="0">
-            <a:schemeClr val="accent3"/>
+            <a:schemeClr val="accent1"/>
           </a:effectRef>
           <a:fontRef idx="minor">
             <a:schemeClr val="lt1"/>
@@ -9068,10 +11453,10 @@
       </p:sp>
       <p:sp>
         <p:nvSpPr>
-          <p:cNvPr id="15" name="Isosceles Triangle 14">
+          <p:cNvPr id="16" name="Arrow: Right 15">
             <a:extLst>
               <a:ext uri="{FF2B5EF4-FFF2-40B4-BE49-F238E27FC236}">
-                <a16:creationId xmlns:a16="http://schemas.microsoft.com/office/drawing/2014/main" id="{863EE4CA-1F39-4872-AFF1-73A6077A7670}"/>
+                <a16:creationId xmlns:a16="http://schemas.microsoft.com/office/drawing/2014/main" id="{6087FF73-5ECD-4349-88C1-17B713D16DC9}"/>
               </a:ext>
             </a:extLst>
           </p:cNvPr>
@@ -9079,25 +11464,25 @@
           <p:nvPr/>
         </p:nvSpPr>
         <p:spPr>
-          <a:xfrm>
-            <a:off x="7103534" y="4972715"/>
-            <a:ext cx="1913466" cy="1374539"/>
-          </a:xfrm>
-          <a:prstGeom prst="triangle">
+          <a:xfrm rot="9255842">
+            <a:off x="4770397" y="3779632"/>
+            <a:ext cx="802223" cy="243761"/>
+          </a:xfrm>
+          <a:prstGeom prst="rightArrow">
             <a:avLst/>
           </a:prstGeom>
         </p:spPr>
         <p:style>
           <a:lnRef idx="2">
-            <a:schemeClr val="accent3">
+            <a:schemeClr val="accent1">
               <a:shade val="50000"/>
             </a:schemeClr>
           </a:lnRef>
           <a:fillRef idx="1">
-            <a:schemeClr val="accent3"/>
+            <a:schemeClr val="accent1"/>
           </a:fillRef>
           <a:effectRef idx="0">
-            <a:schemeClr val="accent3"/>
+            <a:schemeClr val="accent1"/>
           </a:effectRef>
           <a:fontRef idx="minor">
             <a:schemeClr val="lt1"/>
@@ -9108,40 +11493,150 @@
           <a:lstStyle/>
           <a:p>
             <a:pPr algn="ctr"/>
-            <a:r>
-              <a:rPr lang="en-US" sz="2400" dirty="0">
-                <a:solidFill>
-                  <a:schemeClr val="bg1"/>
-                </a:solidFill>
-              </a:rPr>
-              <a:t>.</a:t>
-            </a:r>
-            <a:r>
-              <a:rPr lang="en-US" sz="2400" dirty="0" err="1">
-                <a:solidFill>
-                  <a:schemeClr val="bg1"/>
-                </a:solidFill>
-              </a:rPr>
-              <a:t>scss</a:t>
-            </a:r>
-            <a:endParaRPr lang="en-US" sz="2400" dirty="0">
-              <a:solidFill>
-                <a:schemeClr val="bg1"/>
-              </a:solidFill>
-            </a:endParaRPr>
+            <a:endParaRPr lang="en-US"/>
+          </a:p>
+        </p:txBody>
+      </p:sp>
+      <p:sp>
+        <p:nvSpPr>
+          <p:cNvPr id="17" name="Arrow: Right 16">
+            <a:extLst>
+              <a:ext uri="{FF2B5EF4-FFF2-40B4-BE49-F238E27FC236}">
+                <a16:creationId xmlns:a16="http://schemas.microsoft.com/office/drawing/2014/main" id="{C8073165-6FAA-4A9B-819F-DD40CF16DD2C}"/>
+              </a:ext>
+            </a:extLst>
+          </p:cNvPr>
+          <p:cNvSpPr/>
+          <p:nvPr/>
+        </p:nvSpPr>
+        <p:spPr>
+          <a:xfrm rot="10800000">
+            <a:off x="4799072" y="2388346"/>
+            <a:ext cx="3325543" cy="243761"/>
+          </a:xfrm>
+          <a:prstGeom prst="rightArrow">
+            <a:avLst/>
+          </a:prstGeom>
+        </p:spPr>
+        <p:style>
+          <a:lnRef idx="2">
+            <a:schemeClr val="accent1">
+              <a:shade val="50000"/>
+            </a:schemeClr>
+          </a:lnRef>
+          <a:fillRef idx="1">
+            <a:schemeClr val="accent1"/>
+          </a:fillRef>
+          <a:effectRef idx="0">
+            <a:schemeClr val="accent1"/>
+          </a:effectRef>
+          <a:fontRef idx="minor">
+            <a:schemeClr val="lt1"/>
+          </a:fontRef>
+        </p:style>
+        <p:txBody>
+          <a:bodyPr rtlCol="0" anchor="ctr"/>
+          <a:lstStyle/>
+          <a:p>
+            <a:pPr algn="ctr"/>
+            <a:endParaRPr lang="en-US"/>
+          </a:p>
+        </p:txBody>
+      </p:sp>
+      <p:sp>
+        <p:nvSpPr>
+          <p:cNvPr id="18" name="Arrow: Right 17">
+            <a:extLst>
+              <a:ext uri="{FF2B5EF4-FFF2-40B4-BE49-F238E27FC236}">
+                <a16:creationId xmlns:a16="http://schemas.microsoft.com/office/drawing/2014/main" id="{542C1D66-C8D3-480C-AE69-C0813986F6E6}"/>
+              </a:ext>
+            </a:extLst>
+          </p:cNvPr>
+          <p:cNvSpPr/>
+          <p:nvPr/>
+        </p:nvSpPr>
+        <p:spPr>
+          <a:xfrm rot="11490360">
+            <a:off x="4797543" y="4489330"/>
+            <a:ext cx="2446565" cy="243761"/>
+          </a:xfrm>
+          <a:prstGeom prst="rightArrow">
+            <a:avLst/>
+          </a:prstGeom>
+        </p:spPr>
+        <p:style>
+          <a:lnRef idx="2">
+            <a:schemeClr val="accent1">
+              <a:shade val="50000"/>
+            </a:schemeClr>
+          </a:lnRef>
+          <a:fillRef idx="1">
+            <a:schemeClr val="accent1"/>
+          </a:fillRef>
+          <a:effectRef idx="0">
+            <a:schemeClr val="accent1"/>
+          </a:effectRef>
+          <a:fontRef idx="minor">
+            <a:schemeClr val="lt1"/>
+          </a:fontRef>
+        </p:style>
+        <p:txBody>
+          <a:bodyPr rtlCol="0" anchor="ctr"/>
+          <a:lstStyle/>
+          <a:p>
+            <a:pPr algn="ctr"/>
+            <a:endParaRPr lang="en-US"/>
+          </a:p>
+        </p:txBody>
+      </p:sp>
+      <p:sp>
+        <p:nvSpPr>
+          <p:cNvPr id="19" name="TextBox 18">
+            <a:extLst>
+              <a:ext uri="{FF2B5EF4-FFF2-40B4-BE49-F238E27FC236}">
+                <a16:creationId xmlns:a16="http://schemas.microsoft.com/office/drawing/2014/main" id="{3CA216AD-844B-41B7-A3B0-340D82F6E793}"/>
+              </a:ext>
+            </a:extLst>
+          </p:cNvPr>
+          <p:cNvSpPr txBox="1"/>
+          <p:nvPr/>
+        </p:nvSpPr>
+        <p:spPr>
+          <a:xfrm>
+            <a:off x="2235200" y="6123752"/>
+            <a:ext cx="8178799" cy="461665"/>
+          </a:xfrm>
+          <a:prstGeom prst="rect">
+            <a:avLst/>
+          </a:prstGeom>
+          <a:noFill/>
+        </p:spPr>
+        <p:txBody>
+          <a:bodyPr wrap="square" rtlCol="0">
+            <a:spAutoFit/>
+          </a:bodyPr>
+          <a:lstStyle/>
+          <a:p>
+            <a:r>
+              <a:rPr lang="en-US" sz="1200" dirty="0"/>
+              <a:t>Example comparison: https://medium.com/javascript-in-plain-english/i-created-the-exact-same-app-in-react-and-vue-part-2-angular-39b1aa289878</a:t>
+            </a:r>
           </a:p>
         </p:txBody>
       </p:sp>
     </p:spTree>
     <p:extLst>
       <p:ext uri="{BB962C8B-B14F-4D97-AF65-F5344CB8AC3E}">
-        <p14:creationId xmlns:p14="http://schemas.microsoft.com/office/powerpoint/2010/main" val="1522787349"/>
+        <p14:creationId xmlns:p14="http://schemas.microsoft.com/office/powerpoint/2010/main" val="2547622423"/>
       </p:ext>
     </p:extLst>
   </p:cSld>
   <p:clrMapOvr>
     <a:masterClrMapping/>
   </p:clrMapOvr>
+  <p:transition spd="slow">
+    <p:push dir="u"/>
+  </p:transition>
 </p:sld>
 </file>
 
